--- a/presentation.pptx
+++ b/presentation.pptx
@@ -6,12 +6,14 @@
   </p:sldMasterIdLst>
   <p:sldIdLst>
     <p:sldId id="256" r:id="rId2"/>
-    <p:sldId id="257" r:id="rId3"/>
-    <p:sldId id="258" r:id="rId4"/>
-    <p:sldId id="259" r:id="rId5"/>
-    <p:sldId id="266" r:id="rId6"/>
-    <p:sldId id="267" r:id="rId7"/>
-    <p:sldId id="265" r:id="rId8"/>
+    <p:sldId id="268" r:id="rId3"/>
+    <p:sldId id="257" r:id="rId4"/>
+    <p:sldId id="258" r:id="rId5"/>
+    <p:sldId id="259" r:id="rId6"/>
+    <p:sldId id="266" r:id="rId7"/>
+    <p:sldId id="267" r:id="rId8"/>
+    <p:sldId id="269" r:id="rId9"/>
+    <p:sldId id="265" r:id="rId10"/>
   </p:sldIdLst>
   <p:sldSz cx="12192000" cy="6858000"/>
   <p:notesSz cx="6858000" cy="9144000"/>
@@ -249,7 +251,7 @@
           <a:p>
             <a:fld id="{D4797A06-6D6C-4440-846B-1131A905C1A4}" type="datetimeFigureOut">
               <a:rPr lang="ru-RU" smtClean="0"/>
-              <a:t>24.04.2023</a:t>
+              <a:t>25.04.2023</a:t>
             </a:fld>
             <a:endParaRPr lang="ru-RU"/>
           </a:p>
@@ -419,7 +421,7 @@
           <a:p>
             <a:fld id="{D4797A06-6D6C-4440-846B-1131A905C1A4}" type="datetimeFigureOut">
               <a:rPr lang="ru-RU" smtClean="0"/>
-              <a:t>24.04.2023</a:t>
+              <a:t>25.04.2023</a:t>
             </a:fld>
             <a:endParaRPr lang="ru-RU"/>
           </a:p>
@@ -599,7 +601,7 @@
           <a:p>
             <a:fld id="{D4797A06-6D6C-4440-846B-1131A905C1A4}" type="datetimeFigureOut">
               <a:rPr lang="ru-RU" smtClean="0"/>
-              <a:t>24.04.2023</a:t>
+              <a:t>25.04.2023</a:t>
             </a:fld>
             <a:endParaRPr lang="ru-RU"/>
           </a:p>
@@ -769,7 +771,7 @@
           <a:p>
             <a:fld id="{D4797A06-6D6C-4440-846B-1131A905C1A4}" type="datetimeFigureOut">
               <a:rPr lang="ru-RU" smtClean="0"/>
-              <a:t>24.04.2023</a:t>
+              <a:t>25.04.2023</a:t>
             </a:fld>
             <a:endParaRPr lang="ru-RU"/>
           </a:p>
@@ -1015,7 +1017,7 @@
           <a:p>
             <a:fld id="{D4797A06-6D6C-4440-846B-1131A905C1A4}" type="datetimeFigureOut">
               <a:rPr lang="ru-RU" smtClean="0"/>
-              <a:t>24.04.2023</a:t>
+              <a:t>25.04.2023</a:t>
             </a:fld>
             <a:endParaRPr lang="ru-RU"/>
           </a:p>
@@ -1247,7 +1249,7 @@
           <a:p>
             <a:fld id="{D4797A06-6D6C-4440-846B-1131A905C1A4}" type="datetimeFigureOut">
               <a:rPr lang="ru-RU" smtClean="0"/>
-              <a:t>24.04.2023</a:t>
+              <a:t>25.04.2023</a:t>
             </a:fld>
             <a:endParaRPr lang="ru-RU"/>
           </a:p>
@@ -1614,7 +1616,7 @@
           <a:p>
             <a:fld id="{D4797A06-6D6C-4440-846B-1131A905C1A4}" type="datetimeFigureOut">
               <a:rPr lang="ru-RU" smtClean="0"/>
-              <a:t>24.04.2023</a:t>
+              <a:t>25.04.2023</a:t>
             </a:fld>
             <a:endParaRPr lang="ru-RU"/>
           </a:p>
@@ -1732,7 +1734,7 @@
           <a:p>
             <a:fld id="{D4797A06-6D6C-4440-846B-1131A905C1A4}" type="datetimeFigureOut">
               <a:rPr lang="ru-RU" smtClean="0"/>
-              <a:t>24.04.2023</a:t>
+              <a:t>25.04.2023</a:t>
             </a:fld>
             <a:endParaRPr lang="ru-RU"/>
           </a:p>
@@ -1827,7 +1829,7 @@
           <a:p>
             <a:fld id="{D4797A06-6D6C-4440-846B-1131A905C1A4}" type="datetimeFigureOut">
               <a:rPr lang="ru-RU" smtClean="0"/>
-              <a:t>24.04.2023</a:t>
+              <a:t>25.04.2023</a:t>
             </a:fld>
             <a:endParaRPr lang="ru-RU"/>
           </a:p>
@@ -2104,7 +2106,7 @@
           <a:p>
             <a:fld id="{D4797A06-6D6C-4440-846B-1131A905C1A4}" type="datetimeFigureOut">
               <a:rPr lang="ru-RU" smtClean="0"/>
-              <a:t>24.04.2023</a:t>
+              <a:t>25.04.2023</a:t>
             </a:fld>
             <a:endParaRPr lang="ru-RU"/>
           </a:p>
@@ -2361,7 +2363,7 @@
           <a:p>
             <a:fld id="{D4797A06-6D6C-4440-846B-1131A905C1A4}" type="datetimeFigureOut">
               <a:rPr lang="ru-RU" smtClean="0"/>
-              <a:t>24.04.2023</a:t>
+              <a:t>25.04.2023</a:t>
             </a:fld>
             <a:endParaRPr lang="ru-RU"/>
           </a:p>
@@ -2574,7 +2576,7 @@
           <a:p>
             <a:fld id="{D4797A06-6D6C-4440-846B-1131A905C1A4}" type="datetimeFigureOut">
               <a:rPr lang="ru-RU" smtClean="0"/>
-              <a:t>24.04.2023</a:t>
+              <a:t>25.04.2023</a:t>
             </a:fld>
             <a:endParaRPr lang="ru-RU"/>
           </a:p>
@@ -3059,14 +3061,7 @@
                 <a:latin typeface="Segoe UI" panose="020B0502040204020203" pitchFamily="34" charset="0"/>
                 <a:cs typeface="Segoe UI" panose="020B0502040204020203" pitchFamily="34" charset="0"/>
               </a:rPr>
-              <a:t>В</a:t>
-            </a:r>
-            <a:r>
-              <a:rPr lang="ru-RU" dirty="0" smtClean="0">
-                <a:latin typeface="Segoe UI" panose="020B0502040204020203" pitchFamily="34" charset="0"/>
-                <a:cs typeface="Segoe UI" panose="020B0502040204020203" pitchFamily="34" charset="0"/>
-              </a:rPr>
-              <a:t>ыполнили: </a:t>
+              <a:t>Выполнили: </a:t>
             </a:r>
           </a:p>
           <a:p>
@@ -3751,18 +3746,11 @@
           <a:lstStyle/>
           <a:p>
             <a:r>
-              <a:rPr lang="ru-RU" b="1" dirty="0">
-                <a:latin typeface="Segoe UI" panose="020B0502040204020203" pitchFamily="34" charset="0"/>
-                <a:cs typeface="Segoe UI" panose="020B0502040204020203" pitchFamily="34" charset="0"/>
-              </a:rPr>
-              <a:t>Ч</a:t>
-            </a:r>
-            <a:r>
               <a:rPr lang="ru-RU" b="1" dirty="0" smtClean="0">
                 <a:latin typeface="Segoe UI" panose="020B0502040204020203" pitchFamily="34" charset="0"/>
                 <a:cs typeface="Segoe UI" panose="020B0502040204020203" pitchFamily="34" charset="0"/>
               </a:rPr>
-              <a:t>то было сделано:</a:t>
+              <a:t>Какие технологии использовались:</a:t>
             </a:r>
             <a:endParaRPr lang="ru-RU" dirty="0">
               <a:latin typeface="Segoe UI" panose="020B0502040204020203" pitchFamily="34" charset="0"/>
@@ -3779,7 +3767,7 @@
         </p:nvSpPr>
         <p:spPr>
           <a:xfrm>
-            <a:off x="439364" y="1559997"/>
+            <a:off x="439364" y="1852228"/>
             <a:ext cx="8588416" cy="3539430"/>
           </a:xfrm>
           <a:prstGeom prst="rect">
@@ -3798,19 +3786,16 @@
               <a:buChar char="§"/>
             </a:pPr>
             <a:r>
-              <a:rPr lang="ru-RU" sz="3200" dirty="0" smtClean="0">
-                <a:latin typeface="Segoe UI" panose="020B0502040204020203" pitchFamily="34" charset="0"/>
-                <a:cs typeface="Segoe UI" panose="020B0502040204020203" pitchFamily="34" charset="0"/>
-              </a:rPr>
-              <a:t>Вход и регистрация для администраторов парикмахерских</a:t>
-            </a:r>
-            <a:r>
               <a:rPr lang="en-US" sz="3200" dirty="0" smtClean="0">
                 <a:latin typeface="Segoe UI" panose="020B0502040204020203" pitchFamily="34" charset="0"/>
                 <a:cs typeface="Segoe UI" panose="020B0502040204020203" pitchFamily="34" charset="0"/>
               </a:rPr>
-              <a:t>;</a:t>
-            </a:r>
+              <a:t>Flask;</a:t>
+            </a:r>
+            <a:endParaRPr lang="en-US" sz="3200" dirty="0" smtClean="0">
+              <a:latin typeface="Segoe UI" panose="020B0502040204020203" pitchFamily="34" charset="0"/>
+              <a:cs typeface="Segoe UI" panose="020B0502040204020203" pitchFamily="34" charset="0"/>
+            </a:endParaRPr>
           </a:p>
           <a:p>
             <a:pPr marL="457200" indent="-457200">
@@ -3828,18 +3813,11 @@
               <a:buChar char="§"/>
             </a:pPr>
             <a:r>
-              <a:rPr lang="ru-RU" sz="3200" dirty="0" smtClean="0">
+              <a:rPr lang="en-US" sz="3200" dirty="0" err="1" smtClean="0">
                 <a:latin typeface="Segoe UI" panose="020B0502040204020203" pitchFamily="34" charset="0"/>
                 <a:cs typeface="Segoe UI" panose="020B0502040204020203" pitchFamily="34" charset="0"/>
               </a:rPr>
-              <a:t>Вкладки профиля, мастеров, услуг и </a:t>
-            </a:r>
-            <a:r>
-              <a:rPr lang="ru-RU" sz="3200" dirty="0" err="1" smtClean="0">
-                <a:latin typeface="Segoe UI" panose="020B0502040204020203" pitchFamily="34" charset="0"/>
-                <a:cs typeface="Segoe UI" panose="020B0502040204020203" pitchFamily="34" charset="0"/>
-              </a:rPr>
-              <a:t>таймлайн</a:t>
+              <a:t>Sqlalchemy</a:t>
             </a:r>
             <a:r>
               <a:rPr lang="en-US" sz="3200" dirty="0" smtClean="0">
@@ -3848,6 +3826,33 @@
               </a:rPr>
               <a:t>;</a:t>
             </a:r>
+          </a:p>
+          <a:p>
+            <a:pPr marL="457200" indent="-457200">
+              <a:buFont typeface="Wingdings" panose="05000000000000000000" pitchFamily="2" charset="2"/>
+              <a:buChar char="§"/>
+            </a:pPr>
+            <a:endParaRPr lang="en-US" sz="3200" dirty="0">
+              <a:latin typeface="Segoe UI" panose="020B0502040204020203" pitchFamily="34" charset="0"/>
+              <a:cs typeface="Segoe UI" panose="020B0502040204020203" pitchFamily="34" charset="0"/>
+            </a:endParaRPr>
+          </a:p>
+          <a:p>
+            <a:pPr marL="457200" indent="-457200">
+              <a:buFont typeface="Wingdings" panose="05000000000000000000" pitchFamily="2" charset="2"/>
+              <a:buChar char="§"/>
+            </a:pPr>
+            <a:r>
+              <a:rPr lang="en-US" sz="3200" dirty="0" smtClean="0">
+                <a:latin typeface="Segoe UI" panose="020B0502040204020203" pitchFamily="34" charset="0"/>
+                <a:cs typeface="Segoe UI" panose="020B0502040204020203" pitchFamily="34" charset="0"/>
+              </a:rPr>
+              <a:t>Flask login;</a:t>
+            </a:r>
+            <a:endParaRPr lang="en-US" sz="3200" dirty="0" smtClean="0">
+              <a:latin typeface="Segoe UI" panose="020B0502040204020203" pitchFamily="34" charset="0"/>
+              <a:cs typeface="Segoe UI" panose="020B0502040204020203" pitchFamily="34" charset="0"/>
+            </a:endParaRPr>
           </a:p>
           <a:p>
             <a:pPr marL="457200" indent="-457200">
@@ -3865,14 +3870,21 @@
               <a:buChar char="§"/>
             </a:pPr>
             <a:r>
-              <a:rPr lang="ru-RU" sz="3200" dirty="0" smtClean="0">
+              <a:rPr lang="en-US" sz="3200" dirty="0" smtClean="0">
                 <a:latin typeface="Segoe UI" panose="020B0502040204020203" pitchFamily="34" charset="0"/>
                 <a:cs typeface="Segoe UI" panose="020B0502040204020203" pitchFamily="34" charset="0"/>
               </a:rPr>
-              <a:t>Регистрация клиентов в парикмахерскую</a:t>
-            </a:r>
-            <a:r>
-              <a:rPr lang="en-US" sz="3200" dirty="0">
+              <a:t>Flask </a:t>
+            </a:r>
+            <a:r>
+              <a:rPr lang="en-US" sz="3200" dirty="0" err="1" smtClean="0">
+                <a:latin typeface="Segoe UI" panose="020B0502040204020203" pitchFamily="34" charset="0"/>
+                <a:cs typeface="Segoe UI" panose="020B0502040204020203" pitchFamily="34" charset="0"/>
+              </a:rPr>
+              <a:t>WTForm</a:t>
+            </a:r>
+            <a:r>
+              <a:rPr lang="en-US" sz="3200" dirty="0" smtClean="0">
                 <a:latin typeface="Segoe UI" panose="020B0502040204020203" pitchFamily="34" charset="0"/>
                 <a:cs typeface="Segoe UI" panose="020B0502040204020203" pitchFamily="34" charset="0"/>
               </a:rPr>
@@ -3888,7 +3900,7 @@
     </p:spTree>
     <p:extLst>
       <p:ext uri="{BB962C8B-B14F-4D97-AF65-F5344CB8AC3E}">
-        <p14:creationId xmlns:p14="http://schemas.microsoft.com/office/powerpoint/2010/main" val="3409369529"/>
+        <p14:creationId xmlns:p14="http://schemas.microsoft.com/office/powerpoint/2010/main" val="2887047793"/>
       </p:ext>
     </p:extLst>
   </p:cSld>
@@ -4134,6 +4146,462 @@
       </p:grpSpPr>
       <p:sp>
         <p:nvSpPr>
+          <p:cNvPr id="4" name="Прямоугольник 3"/>
+          <p:cNvSpPr/>
+          <p:nvPr/>
+        </p:nvSpPr>
+        <p:spPr>
+          <a:xfrm rot="18410025">
+            <a:off x="5075282" y="2720092"/>
+            <a:ext cx="11454893" cy="5850048"/>
+          </a:xfrm>
+          <a:prstGeom prst="rect">
+            <a:avLst/>
+          </a:prstGeom>
+          <a:solidFill>
+            <a:srgbClr val="CC7832"/>
+          </a:solidFill>
+          <a:ln w="0">
+            <a:solidFill>
+              <a:srgbClr val="CC7832"/>
+            </a:solidFill>
+          </a:ln>
+        </p:spPr>
+        <p:style>
+          <a:lnRef idx="2">
+            <a:schemeClr val="accent1">
+              <a:shade val="50000"/>
+            </a:schemeClr>
+          </a:lnRef>
+          <a:fillRef idx="1">
+            <a:schemeClr val="accent1"/>
+          </a:fillRef>
+          <a:effectRef idx="0">
+            <a:schemeClr val="accent1"/>
+          </a:effectRef>
+          <a:fontRef idx="minor">
+            <a:schemeClr val="lt1"/>
+          </a:fontRef>
+        </p:style>
+        <p:txBody>
+          <a:bodyPr rtlCol="0" anchor="ctr"/>
+          <a:lstStyle/>
+          <a:p>
+            <a:pPr algn="ctr"/>
+            <a:r>
+              <a:rPr lang="en-US" dirty="0" smtClean="0"/>
+              <a:t> </a:t>
+            </a:r>
+            <a:endParaRPr lang="ru-RU" dirty="0"/>
+          </a:p>
+        </p:txBody>
+      </p:sp>
+      <p:sp>
+        <p:nvSpPr>
+          <p:cNvPr id="2" name="Заголовок 1"/>
+          <p:cNvSpPr>
+            <a:spLocks noGrp="1"/>
+          </p:cNvSpPr>
+          <p:nvPr>
+            <p:ph type="title"/>
+          </p:nvPr>
+        </p:nvSpPr>
+        <p:spPr>
+          <a:xfrm>
+            <a:off x="439364" y="442947"/>
+            <a:ext cx="5282705" cy="850832"/>
+          </a:xfrm>
+        </p:spPr>
+        <p:txBody>
+          <a:bodyPr>
+            <a:normAutofit fontScale="90000"/>
+          </a:bodyPr>
+          <a:lstStyle/>
+          <a:p>
+            <a:r>
+              <a:rPr lang="ru-RU" b="1" dirty="0">
+                <a:latin typeface="Segoe UI" panose="020B0502040204020203" pitchFamily="34" charset="0"/>
+                <a:cs typeface="Segoe UI" panose="020B0502040204020203" pitchFamily="34" charset="0"/>
+              </a:rPr>
+              <a:t>Ч</a:t>
+            </a:r>
+            <a:r>
+              <a:rPr lang="ru-RU" b="1" dirty="0" smtClean="0">
+                <a:latin typeface="Segoe UI" panose="020B0502040204020203" pitchFamily="34" charset="0"/>
+                <a:cs typeface="Segoe UI" panose="020B0502040204020203" pitchFamily="34" charset="0"/>
+              </a:rPr>
+              <a:t>то было сделано:</a:t>
+            </a:r>
+            <a:endParaRPr lang="ru-RU" dirty="0">
+              <a:latin typeface="Segoe UI" panose="020B0502040204020203" pitchFamily="34" charset="0"/>
+              <a:cs typeface="Segoe UI" panose="020B0502040204020203" pitchFamily="34" charset="0"/>
+            </a:endParaRPr>
+          </a:p>
+        </p:txBody>
+      </p:sp>
+      <p:sp>
+        <p:nvSpPr>
+          <p:cNvPr id="9" name="TextBox 8"/>
+          <p:cNvSpPr txBox="1"/>
+          <p:nvPr/>
+        </p:nvSpPr>
+        <p:spPr>
+          <a:xfrm>
+            <a:off x="439364" y="1559997"/>
+            <a:ext cx="8588416" cy="3539430"/>
+          </a:xfrm>
+          <a:prstGeom prst="rect">
+            <a:avLst/>
+          </a:prstGeom>
+          <a:noFill/>
+        </p:spPr>
+        <p:txBody>
+          <a:bodyPr wrap="square" rtlCol="0">
+            <a:spAutoFit/>
+          </a:bodyPr>
+          <a:lstStyle/>
+          <a:p>
+            <a:pPr marL="457200" indent="-457200">
+              <a:buFont typeface="Wingdings" panose="05000000000000000000" pitchFamily="2" charset="2"/>
+              <a:buChar char="§"/>
+            </a:pPr>
+            <a:r>
+              <a:rPr lang="ru-RU" sz="3200" dirty="0" smtClean="0">
+                <a:latin typeface="Segoe UI" panose="020B0502040204020203" pitchFamily="34" charset="0"/>
+                <a:cs typeface="Segoe UI" panose="020B0502040204020203" pitchFamily="34" charset="0"/>
+              </a:rPr>
+              <a:t>Вход и регистрация для администраторов парикмахерских</a:t>
+            </a:r>
+            <a:r>
+              <a:rPr lang="en-US" sz="3200" dirty="0" smtClean="0">
+                <a:latin typeface="Segoe UI" panose="020B0502040204020203" pitchFamily="34" charset="0"/>
+                <a:cs typeface="Segoe UI" panose="020B0502040204020203" pitchFamily="34" charset="0"/>
+              </a:rPr>
+              <a:t>;</a:t>
+            </a:r>
+          </a:p>
+          <a:p>
+            <a:pPr marL="457200" indent="-457200">
+              <a:buFont typeface="Wingdings" panose="05000000000000000000" pitchFamily="2" charset="2"/>
+              <a:buChar char="§"/>
+            </a:pPr>
+            <a:endParaRPr lang="ru-RU" sz="3200" dirty="0" smtClean="0">
+              <a:latin typeface="Segoe UI" panose="020B0502040204020203" pitchFamily="34" charset="0"/>
+              <a:cs typeface="Segoe UI" panose="020B0502040204020203" pitchFamily="34" charset="0"/>
+            </a:endParaRPr>
+          </a:p>
+          <a:p>
+            <a:pPr marL="457200" indent="-457200">
+              <a:buFont typeface="Wingdings" panose="05000000000000000000" pitchFamily="2" charset="2"/>
+              <a:buChar char="§"/>
+            </a:pPr>
+            <a:r>
+              <a:rPr lang="ru-RU" sz="3200" dirty="0" smtClean="0">
+                <a:latin typeface="Segoe UI" panose="020B0502040204020203" pitchFamily="34" charset="0"/>
+                <a:cs typeface="Segoe UI" panose="020B0502040204020203" pitchFamily="34" charset="0"/>
+              </a:rPr>
+              <a:t>Вкладки профиля, мастеров, услуг и </a:t>
+            </a:r>
+            <a:r>
+              <a:rPr lang="ru-RU" sz="3200" dirty="0" err="1" smtClean="0">
+                <a:latin typeface="Segoe UI" panose="020B0502040204020203" pitchFamily="34" charset="0"/>
+                <a:cs typeface="Segoe UI" panose="020B0502040204020203" pitchFamily="34" charset="0"/>
+              </a:rPr>
+              <a:t>таймлайн</a:t>
+            </a:r>
+            <a:r>
+              <a:rPr lang="en-US" sz="3200" dirty="0" smtClean="0">
+                <a:latin typeface="Segoe UI" panose="020B0502040204020203" pitchFamily="34" charset="0"/>
+                <a:cs typeface="Segoe UI" panose="020B0502040204020203" pitchFamily="34" charset="0"/>
+              </a:rPr>
+              <a:t>;</a:t>
+            </a:r>
+          </a:p>
+          <a:p>
+            <a:pPr marL="457200" indent="-457200">
+              <a:buFont typeface="Wingdings" panose="05000000000000000000" pitchFamily="2" charset="2"/>
+              <a:buChar char="§"/>
+            </a:pPr>
+            <a:endParaRPr lang="ru-RU" sz="3200" dirty="0" smtClean="0">
+              <a:latin typeface="Segoe UI" panose="020B0502040204020203" pitchFamily="34" charset="0"/>
+              <a:cs typeface="Segoe UI" panose="020B0502040204020203" pitchFamily="34" charset="0"/>
+            </a:endParaRPr>
+          </a:p>
+          <a:p>
+            <a:pPr marL="457200" indent="-457200">
+              <a:buFont typeface="Wingdings" panose="05000000000000000000" pitchFamily="2" charset="2"/>
+              <a:buChar char="§"/>
+            </a:pPr>
+            <a:r>
+              <a:rPr lang="ru-RU" sz="3200" dirty="0" smtClean="0">
+                <a:latin typeface="Segoe UI" panose="020B0502040204020203" pitchFamily="34" charset="0"/>
+                <a:cs typeface="Segoe UI" panose="020B0502040204020203" pitchFamily="34" charset="0"/>
+              </a:rPr>
+              <a:t>Регистрация клиентов в парикмахерскую</a:t>
+            </a:r>
+            <a:r>
+              <a:rPr lang="en-US" sz="3200" dirty="0">
+                <a:latin typeface="Segoe UI" panose="020B0502040204020203" pitchFamily="34" charset="0"/>
+                <a:cs typeface="Segoe UI" panose="020B0502040204020203" pitchFamily="34" charset="0"/>
+              </a:rPr>
+              <a:t>.</a:t>
+            </a:r>
+            <a:endParaRPr lang="ru-RU" sz="3200" dirty="0" smtClean="0">
+              <a:latin typeface="Segoe UI" panose="020B0502040204020203" pitchFamily="34" charset="0"/>
+              <a:cs typeface="Segoe UI" panose="020B0502040204020203" pitchFamily="34" charset="0"/>
+            </a:endParaRPr>
+          </a:p>
+        </p:txBody>
+      </p:sp>
+    </p:spTree>
+    <p:extLst>
+      <p:ext uri="{BB962C8B-B14F-4D97-AF65-F5344CB8AC3E}">
+        <p14:creationId xmlns:p14="http://schemas.microsoft.com/office/powerpoint/2010/main" val="3409369529"/>
+      </p:ext>
+    </p:extLst>
+  </p:cSld>
+  <p:clrMapOvr>
+    <a:masterClrMapping/>
+  </p:clrMapOvr>
+  <p:timing>
+    <p:tnLst>
+      <p:par>
+        <p:cTn id="1" dur="indefinite" restart="never" nodeType="tmRoot">
+          <p:childTnLst>
+            <p:seq concurrent="1" nextAc="seek">
+              <p:cTn id="2" dur="indefinite" nodeType="mainSeq">
+                <p:childTnLst>
+                  <p:par>
+                    <p:cTn id="3" fill="hold">
+                      <p:stCondLst>
+                        <p:cond delay="indefinite"/>
+                        <p:cond evt="onBegin" delay="0">
+                          <p:tn val="2"/>
+                        </p:cond>
+                      </p:stCondLst>
+                      <p:childTnLst>
+                        <p:par>
+                          <p:cTn id="4" fill="hold">
+                            <p:stCondLst>
+                              <p:cond delay="0"/>
+                            </p:stCondLst>
+                            <p:childTnLst>
+                              <p:par>
+                                <p:cTn id="5" presetID="2" presetClass="entr" presetSubtype="8" fill="hold" grpId="0" nodeType="withEffect">
+                                  <p:stCondLst>
+                                    <p:cond delay="0"/>
+                                  </p:stCondLst>
+                                  <p:childTnLst>
+                                    <p:set>
+                                      <p:cBhvr>
+                                        <p:cTn id="6" dur="1" fill="hold">
+                                          <p:stCondLst>
+                                            <p:cond delay="0"/>
+                                          </p:stCondLst>
+                                        </p:cTn>
+                                        <p:tgtEl>
+                                          <p:spTgt spid="2"/>
+                                        </p:tgtEl>
+                                        <p:attrNameLst>
+                                          <p:attrName>style.visibility</p:attrName>
+                                        </p:attrNameLst>
+                                      </p:cBhvr>
+                                      <p:to>
+                                        <p:strVal val="visible"/>
+                                      </p:to>
+                                    </p:set>
+                                    <p:anim calcmode="lin" valueType="num">
+                                      <p:cBhvr additive="base">
+                                        <p:cTn id="7" dur="250" fill="hold"/>
+                                        <p:tgtEl>
+                                          <p:spTgt spid="2"/>
+                                        </p:tgtEl>
+                                        <p:attrNameLst>
+                                          <p:attrName>ppt_x</p:attrName>
+                                        </p:attrNameLst>
+                                      </p:cBhvr>
+                                      <p:tavLst>
+                                        <p:tav tm="0">
+                                          <p:val>
+                                            <p:strVal val="0-#ppt_w/2"/>
+                                          </p:val>
+                                        </p:tav>
+                                        <p:tav tm="100000">
+                                          <p:val>
+                                            <p:strVal val="#ppt_x"/>
+                                          </p:val>
+                                        </p:tav>
+                                      </p:tavLst>
+                                    </p:anim>
+                                    <p:anim calcmode="lin" valueType="num">
+                                      <p:cBhvr additive="base">
+                                        <p:cTn id="8" dur="250" fill="hold"/>
+                                        <p:tgtEl>
+                                          <p:spTgt spid="2"/>
+                                        </p:tgtEl>
+                                        <p:attrNameLst>
+                                          <p:attrName>ppt_y</p:attrName>
+                                        </p:attrNameLst>
+                                      </p:cBhvr>
+                                      <p:tavLst>
+                                        <p:tav tm="0">
+                                          <p:val>
+                                            <p:strVal val="#ppt_y"/>
+                                          </p:val>
+                                        </p:tav>
+                                        <p:tav tm="100000">
+                                          <p:val>
+                                            <p:strVal val="#ppt_y"/>
+                                          </p:val>
+                                        </p:tav>
+                                      </p:tavLst>
+                                    </p:anim>
+                                  </p:childTnLst>
+                                </p:cTn>
+                              </p:par>
+                              <p:par>
+                                <p:cTn id="9" presetID="42" presetClass="entr" presetSubtype="0" fill="hold" grpId="0" nodeType="withEffect">
+                                  <p:stCondLst>
+                                    <p:cond delay="0"/>
+                                  </p:stCondLst>
+                                  <p:childTnLst>
+                                    <p:set>
+                                      <p:cBhvr>
+                                        <p:cTn id="10" dur="1" fill="hold">
+                                          <p:stCondLst>
+                                            <p:cond delay="0"/>
+                                          </p:stCondLst>
+                                        </p:cTn>
+                                        <p:tgtEl>
+                                          <p:spTgt spid="4"/>
+                                        </p:tgtEl>
+                                        <p:attrNameLst>
+                                          <p:attrName>style.visibility</p:attrName>
+                                        </p:attrNameLst>
+                                      </p:cBhvr>
+                                      <p:to>
+                                        <p:strVal val="visible"/>
+                                      </p:to>
+                                    </p:set>
+                                    <p:animEffect transition="in" filter="fade">
+                                      <p:cBhvr>
+                                        <p:cTn id="11" dur="250"/>
+                                        <p:tgtEl>
+                                          <p:spTgt spid="4"/>
+                                        </p:tgtEl>
+                                      </p:cBhvr>
+                                    </p:animEffect>
+                                    <p:anim calcmode="lin" valueType="num">
+                                      <p:cBhvr>
+                                        <p:cTn id="12" dur="250" fill="hold"/>
+                                        <p:tgtEl>
+                                          <p:spTgt spid="4"/>
+                                        </p:tgtEl>
+                                        <p:attrNameLst>
+                                          <p:attrName>ppt_x</p:attrName>
+                                        </p:attrNameLst>
+                                      </p:cBhvr>
+                                      <p:tavLst>
+                                        <p:tav tm="0">
+                                          <p:val>
+                                            <p:strVal val="#ppt_x"/>
+                                          </p:val>
+                                        </p:tav>
+                                        <p:tav tm="100000">
+                                          <p:val>
+                                            <p:strVal val="#ppt_x"/>
+                                          </p:val>
+                                        </p:tav>
+                                      </p:tavLst>
+                                    </p:anim>
+                                    <p:anim calcmode="lin" valueType="num">
+                                      <p:cBhvr>
+                                        <p:cTn id="13" dur="250" fill="hold"/>
+                                        <p:tgtEl>
+                                          <p:spTgt spid="4"/>
+                                        </p:tgtEl>
+                                        <p:attrNameLst>
+                                          <p:attrName>ppt_y</p:attrName>
+                                        </p:attrNameLst>
+                                      </p:cBhvr>
+                                      <p:tavLst>
+                                        <p:tav tm="0">
+                                          <p:val>
+                                            <p:strVal val="#ppt_y+.1"/>
+                                          </p:val>
+                                        </p:tav>
+                                        <p:tav tm="100000">
+                                          <p:val>
+                                            <p:strVal val="#ppt_y"/>
+                                          </p:val>
+                                        </p:tav>
+                                      </p:tavLst>
+                                    </p:anim>
+                                  </p:childTnLst>
+                                </p:cTn>
+                              </p:par>
+                            </p:childTnLst>
+                          </p:cTn>
+                        </p:par>
+                      </p:childTnLst>
+                    </p:cTn>
+                  </p:par>
+                </p:childTnLst>
+              </p:cTn>
+              <p:prevCondLst>
+                <p:cond evt="onPrev" delay="0">
+                  <p:tgtEl>
+                    <p:sldTgt/>
+                  </p:tgtEl>
+                </p:cond>
+              </p:prevCondLst>
+              <p:nextCondLst>
+                <p:cond evt="onNext" delay="0">
+                  <p:tgtEl>
+                    <p:sldTgt/>
+                  </p:tgtEl>
+                </p:cond>
+              </p:nextCondLst>
+            </p:seq>
+          </p:childTnLst>
+        </p:cTn>
+      </p:par>
+    </p:tnLst>
+    <p:bldLst>
+      <p:bldP spid="4" grpId="0" animBg="1"/>
+      <p:bldP spid="2" grpId="0"/>
+    </p:bldLst>
+  </p:timing>
+</p:sld>
+</file>
+
+<file path=ppt/slides/slide4.xml><?xml version="1.0" encoding="utf-8"?>
+<p:sld xmlns:a="http://schemas.openxmlformats.org/drawingml/2006/main" xmlns:r="http://schemas.openxmlformats.org/officeDocument/2006/relationships" xmlns:p="http://schemas.openxmlformats.org/presentationml/2006/main">
+  <p:cSld>
+    <p:bg>
+      <p:bgPr>
+        <a:solidFill>
+          <a:srgbClr val="2B2B2B"/>
+        </a:solidFill>
+        <a:effectLst/>
+      </p:bgPr>
+    </p:bg>
+    <p:spTree>
+      <p:nvGrpSpPr>
+        <p:cNvPr id="1" name=""/>
+        <p:cNvGrpSpPr/>
+        <p:nvPr/>
+      </p:nvGrpSpPr>
+      <p:grpSpPr>
+        <a:xfrm>
+          <a:off x="0" y="0"/>
+          <a:ext cx="0" cy="0"/>
+          <a:chOff x="0" y="0"/>
+          <a:chExt cx="0" cy="0"/>
+        </a:xfrm>
+      </p:grpSpPr>
+      <p:sp>
+        <p:nvSpPr>
           <p:cNvPr id="5" name="Прямоугольник 4"/>
           <p:cNvSpPr/>
           <p:nvPr/>
@@ -5119,7 +5587,7 @@
 </p:sld>
 </file>
 
-<file path=ppt/slides/slide4.xml><?xml version="1.0" encoding="utf-8"?>
+<file path=ppt/slides/slide5.xml><?xml version="1.0" encoding="utf-8"?>
 <p:sld xmlns:a="http://schemas.openxmlformats.org/drawingml/2006/main" xmlns:r="http://schemas.openxmlformats.org/officeDocument/2006/relationships" xmlns:p="http://schemas.openxmlformats.org/presentationml/2006/main">
   <p:cSld>
     <p:bg>
@@ -5944,629 +6412,6 @@
       <p:bldP spid="4" grpId="0" animBg="1"/>
       <p:bldP spid="2" grpId="0"/>
       <p:bldP spid="3" grpId="0" build="p"/>
-    </p:bldLst>
-  </p:timing>
-</p:sld>
-</file>
-
-<file path=ppt/slides/slide5.xml><?xml version="1.0" encoding="utf-8"?>
-<p:sld xmlns:a="http://schemas.openxmlformats.org/drawingml/2006/main" xmlns:r="http://schemas.openxmlformats.org/officeDocument/2006/relationships" xmlns:p="http://schemas.openxmlformats.org/presentationml/2006/main">
-  <p:cSld>
-    <p:bg>
-      <p:bgPr>
-        <a:solidFill>
-          <a:srgbClr val="2B2B2B"/>
-        </a:solidFill>
-        <a:effectLst/>
-      </p:bgPr>
-    </p:bg>
-    <p:spTree>
-      <p:nvGrpSpPr>
-        <p:cNvPr id="1" name=""/>
-        <p:cNvGrpSpPr/>
-        <p:nvPr/>
-      </p:nvGrpSpPr>
-      <p:grpSpPr>
-        <a:xfrm>
-          <a:off x="0" y="0"/>
-          <a:ext cx="0" cy="0"/>
-          <a:chOff x="0" y="0"/>
-          <a:chExt cx="0" cy="0"/>
-        </a:xfrm>
-      </p:grpSpPr>
-      <p:sp>
-        <p:nvSpPr>
-          <p:cNvPr id="5" name="Прямоугольник 4"/>
-          <p:cNvSpPr/>
-          <p:nvPr/>
-        </p:nvSpPr>
-        <p:spPr>
-          <a:xfrm rot="2469619">
-            <a:off x="6108969" y="-2107876"/>
-            <a:ext cx="9212093" cy="5664572"/>
-          </a:xfrm>
-          <a:prstGeom prst="rect">
-            <a:avLst/>
-          </a:prstGeom>
-          <a:solidFill>
-            <a:srgbClr val="CC7832"/>
-          </a:solidFill>
-          <a:ln>
-            <a:solidFill>
-              <a:srgbClr val="CC7832"/>
-            </a:solidFill>
-          </a:ln>
-        </p:spPr>
-        <p:style>
-          <a:lnRef idx="2">
-            <a:schemeClr val="accent1">
-              <a:shade val="50000"/>
-            </a:schemeClr>
-          </a:lnRef>
-          <a:fillRef idx="1">
-            <a:schemeClr val="accent1"/>
-          </a:fillRef>
-          <a:effectRef idx="0">
-            <a:schemeClr val="accent1"/>
-          </a:effectRef>
-          <a:fontRef idx="minor">
-            <a:schemeClr val="lt1"/>
-          </a:fontRef>
-        </p:style>
-        <p:txBody>
-          <a:bodyPr rtlCol="0" anchor="ctr"/>
-          <a:lstStyle/>
-          <a:p>
-            <a:pPr algn="ctr"/>
-            <a:endParaRPr lang="ru-RU"/>
-          </a:p>
-        </p:txBody>
-      </p:sp>
-      <p:sp>
-        <p:nvSpPr>
-          <p:cNvPr id="2" name="Заголовок 1"/>
-          <p:cNvSpPr>
-            <a:spLocks noGrp="1"/>
-          </p:cNvSpPr>
-          <p:nvPr>
-            <p:ph type="title"/>
-          </p:nvPr>
-        </p:nvSpPr>
-        <p:spPr>
-          <a:xfrm>
-            <a:off x="439366" y="462401"/>
-            <a:ext cx="7109298" cy="1074567"/>
-          </a:xfrm>
-        </p:spPr>
-        <p:txBody>
-          <a:bodyPr>
-            <a:normAutofit fontScale="90000"/>
-          </a:bodyPr>
-          <a:lstStyle/>
-          <a:p>
-            <a:r>
-              <a:rPr lang="ru-RU" b="1" dirty="0" err="1" smtClean="0">
-                <a:latin typeface="Segoe UI" panose="020B0502040204020203" pitchFamily="34" charset="0"/>
-                <a:cs typeface="Segoe UI" panose="020B0502040204020203" pitchFamily="34" charset="0"/>
-              </a:rPr>
-              <a:t>Таймлайн</a:t>
-            </a:r>
-            <a:r>
-              <a:rPr lang="ru-RU" dirty="0"/>
-              <a:t/>
-            </a:r>
-            <a:br>
-              <a:rPr lang="ru-RU" dirty="0"/>
-            </a:br>
-            <a:endParaRPr lang="ru-RU" dirty="0"/>
-          </a:p>
-        </p:txBody>
-      </p:sp>
-      <p:sp>
-        <p:nvSpPr>
-          <p:cNvPr id="3" name="Объект 2"/>
-          <p:cNvSpPr>
-            <a:spLocks noGrp="1"/>
-          </p:cNvSpPr>
-          <p:nvPr>
-            <p:ph idx="1"/>
-          </p:nvPr>
-        </p:nvSpPr>
-        <p:spPr>
-          <a:xfrm>
-            <a:off x="439366" y="1536970"/>
-            <a:ext cx="10515600" cy="4351338"/>
-          </a:xfrm>
-        </p:spPr>
-        <p:txBody>
-          <a:bodyPr/>
-          <a:lstStyle/>
-          <a:p>
-            <a:pPr marL="0" lvl="0" indent="0">
-              <a:lnSpc>
-                <a:spcPct val="150000"/>
-              </a:lnSpc>
-              <a:buNone/>
-            </a:pPr>
-            <a:r>
-              <a:rPr lang="ru-RU" dirty="0" smtClean="0">
-                <a:latin typeface="Segoe UI" panose="020B0502040204020203" pitchFamily="34" charset="0"/>
-                <a:cs typeface="Segoe UI" panose="020B0502040204020203" pitchFamily="34" charset="0"/>
-              </a:rPr>
-              <a:t>На вкладке </a:t>
-            </a:r>
-            <a:r>
-              <a:rPr lang="ru-RU" dirty="0" err="1" smtClean="0">
-                <a:latin typeface="Segoe UI" panose="020B0502040204020203" pitchFamily="34" charset="0"/>
-                <a:cs typeface="Segoe UI" panose="020B0502040204020203" pitchFamily="34" charset="0"/>
-              </a:rPr>
-              <a:t>таймлайн</a:t>
-            </a:r>
-            <a:r>
-              <a:rPr lang="ru-RU" dirty="0" smtClean="0">
-                <a:latin typeface="Segoe UI" panose="020B0502040204020203" pitchFamily="34" charset="0"/>
-                <a:cs typeface="Segoe UI" panose="020B0502040204020203" pitchFamily="34" charset="0"/>
-              </a:rPr>
-              <a:t> пользователь может в виде таблице просмотреть онлайн записи клиентов на нужную дату. По вертикале – время, по горизонтали – мастера.</a:t>
-            </a:r>
-            <a:endParaRPr lang="ru-RU" dirty="0">
-              <a:latin typeface="Segoe UI" panose="020B0502040204020203" pitchFamily="34" charset="0"/>
-              <a:cs typeface="Segoe UI" panose="020B0502040204020203" pitchFamily="34" charset="0"/>
-            </a:endParaRPr>
-          </a:p>
-        </p:txBody>
-      </p:sp>
-      <p:sp>
-        <p:nvSpPr>
-          <p:cNvPr id="6" name="Прямоугольник 5"/>
-          <p:cNvSpPr/>
-          <p:nvPr/>
-        </p:nvSpPr>
-        <p:spPr>
-          <a:xfrm rot="9420634">
-            <a:off x="2679382" y="4727032"/>
-            <a:ext cx="11352061" cy="5664572"/>
-          </a:xfrm>
-          <a:prstGeom prst="rect">
-            <a:avLst/>
-          </a:prstGeom>
-          <a:solidFill>
-            <a:srgbClr val="67804C"/>
-          </a:solidFill>
-          <a:ln>
-            <a:solidFill>
-              <a:srgbClr val="67804C"/>
-            </a:solidFill>
-          </a:ln>
-        </p:spPr>
-        <p:style>
-          <a:lnRef idx="2">
-            <a:schemeClr val="accent1">
-              <a:shade val="50000"/>
-            </a:schemeClr>
-          </a:lnRef>
-          <a:fillRef idx="1">
-            <a:schemeClr val="accent1"/>
-          </a:fillRef>
-          <a:effectRef idx="0">
-            <a:schemeClr val="accent1"/>
-          </a:effectRef>
-          <a:fontRef idx="minor">
-            <a:schemeClr val="lt1"/>
-          </a:fontRef>
-        </p:style>
-        <p:txBody>
-          <a:bodyPr rtlCol="0" anchor="ctr"/>
-          <a:lstStyle/>
-          <a:p>
-            <a:pPr algn="ctr"/>
-            <a:endParaRPr lang="ru-RU"/>
-          </a:p>
-        </p:txBody>
-      </p:sp>
-    </p:spTree>
-    <p:extLst>
-      <p:ext uri="{BB962C8B-B14F-4D97-AF65-F5344CB8AC3E}">
-        <p14:creationId xmlns:p14="http://schemas.microsoft.com/office/powerpoint/2010/main" val="72069891"/>
-      </p:ext>
-    </p:extLst>
-  </p:cSld>
-  <p:clrMapOvr>
-    <a:masterClrMapping/>
-  </p:clrMapOvr>
-  <p:timing>
-    <p:tnLst>
-      <p:par>
-        <p:cTn id="1" dur="indefinite" restart="never" nodeType="tmRoot">
-          <p:childTnLst>
-            <p:seq concurrent="1" nextAc="seek">
-              <p:cTn id="2" dur="indefinite" nodeType="mainSeq">
-                <p:childTnLst>
-                  <p:par>
-                    <p:cTn id="3" fill="hold">
-                      <p:stCondLst>
-                        <p:cond delay="indefinite"/>
-                        <p:cond evt="onBegin" delay="0">
-                          <p:tn val="2"/>
-                        </p:cond>
-                      </p:stCondLst>
-                      <p:childTnLst>
-                        <p:par>
-                          <p:cTn id="4" fill="hold">
-                            <p:stCondLst>
-                              <p:cond delay="0"/>
-                            </p:stCondLst>
-                            <p:childTnLst>
-                              <p:par>
-                                <p:cTn id="5" presetID="2" presetClass="entr" presetSubtype="8" fill="hold" grpId="0" nodeType="withEffect">
-                                  <p:stCondLst>
-                                    <p:cond delay="0"/>
-                                  </p:stCondLst>
-                                  <p:childTnLst>
-                                    <p:set>
-                                      <p:cBhvr>
-                                        <p:cTn id="6" dur="1" fill="hold">
-                                          <p:stCondLst>
-                                            <p:cond delay="0"/>
-                                          </p:stCondLst>
-                                        </p:cTn>
-                                        <p:tgtEl>
-                                          <p:spTgt spid="2"/>
-                                        </p:tgtEl>
-                                        <p:attrNameLst>
-                                          <p:attrName>style.visibility</p:attrName>
-                                        </p:attrNameLst>
-                                      </p:cBhvr>
-                                      <p:to>
-                                        <p:strVal val="visible"/>
-                                      </p:to>
-                                    </p:set>
-                                    <p:anim calcmode="lin" valueType="num">
-                                      <p:cBhvr additive="base">
-                                        <p:cTn id="7" dur="500" fill="hold"/>
-                                        <p:tgtEl>
-                                          <p:spTgt spid="2"/>
-                                        </p:tgtEl>
-                                        <p:attrNameLst>
-                                          <p:attrName>ppt_x</p:attrName>
-                                        </p:attrNameLst>
-                                      </p:cBhvr>
-                                      <p:tavLst>
-                                        <p:tav tm="0">
-                                          <p:val>
-                                            <p:strVal val="0-#ppt_w/2"/>
-                                          </p:val>
-                                        </p:tav>
-                                        <p:tav tm="100000">
-                                          <p:val>
-                                            <p:strVal val="#ppt_x"/>
-                                          </p:val>
-                                        </p:tav>
-                                      </p:tavLst>
-                                    </p:anim>
-                                    <p:anim calcmode="lin" valueType="num">
-                                      <p:cBhvr additive="base">
-                                        <p:cTn id="8" dur="500" fill="hold"/>
-                                        <p:tgtEl>
-                                          <p:spTgt spid="2"/>
-                                        </p:tgtEl>
-                                        <p:attrNameLst>
-                                          <p:attrName>ppt_y</p:attrName>
-                                        </p:attrNameLst>
-                                      </p:cBhvr>
-                                      <p:tavLst>
-                                        <p:tav tm="0">
-                                          <p:val>
-                                            <p:strVal val="#ppt_y"/>
-                                          </p:val>
-                                        </p:tav>
-                                        <p:tav tm="100000">
-                                          <p:val>
-                                            <p:strVal val="#ppt_y"/>
-                                          </p:val>
-                                        </p:tav>
-                                      </p:tavLst>
-                                    </p:anim>
-                                  </p:childTnLst>
-                                </p:cTn>
-                              </p:par>
-                              <p:par>
-                                <p:cTn id="9" presetID="42" presetClass="entr" presetSubtype="0" fill="hold" grpId="0" nodeType="withEffect">
-                                  <p:stCondLst>
-                                    <p:cond delay="0"/>
-                                  </p:stCondLst>
-                                  <p:childTnLst>
-                                    <p:set>
-                                      <p:cBhvr>
-                                        <p:cTn id="10" dur="1" fill="hold">
-                                          <p:stCondLst>
-                                            <p:cond delay="0"/>
-                                          </p:stCondLst>
-                                        </p:cTn>
-                                        <p:tgtEl>
-                                          <p:spTgt spid="5"/>
-                                        </p:tgtEl>
-                                        <p:attrNameLst>
-                                          <p:attrName>style.visibility</p:attrName>
-                                        </p:attrNameLst>
-                                      </p:cBhvr>
-                                      <p:to>
-                                        <p:strVal val="visible"/>
-                                      </p:to>
-                                    </p:set>
-                                    <p:animEffect transition="in" filter="fade">
-                                      <p:cBhvr>
-                                        <p:cTn id="11" dur="250"/>
-                                        <p:tgtEl>
-                                          <p:spTgt spid="5"/>
-                                        </p:tgtEl>
-                                      </p:cBhvr>
-                                    </p:animEffect>
-                                    <p:anim calcmode="lin" valueType="num">
-                                      <p:cBhvr>
-                                        <p:cTn id="12" dur="250" fill="hold"/>
-                                        <p:tgtEl>
-                                          <p:spTgt spid="5"/>
-                                        </p:tgtEl>
-                                        <p:attrNameLst>
-                                          <p:attrName>ppt_x</p:attrName>
-                                        </p:attrNameLst>
-                                      </p:cBhvr>
-                                      <p:tavLst>
-                                        <p:tav tm="0">
-                                          <p:val>
-                                            <p:strVal val="#ppt_x"/>
-                                          </p:val>
-                                        </p:tav>
-                                        <p:tav tm="100000">
-                                          <p:val>
-                                            <p:strVal val="#ppt_x"/>
-                                          </p:val>
-                                        </p:tav>
-                                      </p:tavLst>
-                                    </p:anim>
-                                    <p:anim calcmode="lin" valueType="num">
-                                      <p:cBhvr>
-                                        <p:cTn id="13" dur="250" fill="hold"/>
-                                        <p:tgtEl>
-                                          <p:spTgt spid="5"/>
-                                        </p:tgtEl>
-                                        <p:attrNameLst>
-                                          <p:attrName>ppt_y</p:attrName>
-                                        </p:attrNameLst>
-                                      </p:cBhvr>
-                                      <p:tavLst>
-                                        <p:tav tm="0">
-                                          <p:val>
-                                            <p:strVal val="#ppt_y+.1"/>
-                                          </p:val>
-                                        </p:tav>
-                                        <p:tav tm="100000">
-                                          <p:val>
-                                            <p:strVal val="#ppt_y"/>
-                                          </p:val>
-                                        </p:tav>
-                                      </p:tavLst>
-                                    </p:anim>
-                                  </p:childTnLst>
-                                </p:cTn>
-                              </p:par>
-                            </p:childTnLst>
-                          </p:cTn>
-                        </p:par>
-                        <p:par>
-                          <p:cTn id="14" fill="hold">
-                            <p:stCondLst>
-                              <p:cond delay="500"/>
-                            </p:stCondLst>
-                            <p:childTnLst>
-                              <p:par>
-                                <p:cTn id="15" presetID="42" presetClass="entr" presetSubtype="0" fill="hold" grpId="0" nodeType="afterEffect">
-                                  <p:stCondLst>
-                                    <p:cond delay="0"/>
-                                  </p:stCondLst>
-                                  <p:childTnLst>
-                                    <p:set>
-                                      <p:cBhvr>
-                                        <p:cTn id="16" dur="1" fill="hold">
-                                          <p:stCondLst>
-                                            <p:cond delay="0"/>
-                                          </p:stCondLst>
-                                        </p:cTn>
-                                        <p:tgtEl>
-                                          <p:spTgt spid="6"/>
-                                        </p:tgtEl>
-                                        <p:attrNameLst>
-                                          <p:attrName>style.visibility</p:attrName>
-                                        </p:attrNameLst>
-                                      </p:cBhvr>
-                                      <p:to>
-                                        <p:strVal val="visible"/>
-                                      </p:to>
-                                    </p:set>
-                                    <p:animEffect transition="in" filter="fade">
-                                      <p:cBhvr>
-                                        <p:cTn id="17" dur="250"/>
-                                        <p:tgtEl>
-                                          <p:spTgt spid="6"/>
-                                        </p:tgtEl>
-                                      </p:cBhvr>
-                                    </p:animEffect>
-                                    <p:anim calcmode="lin" valueType="num">
-                                      <p:cBhvr>
-                                        <p:cTn id="18" dur="250" fill="hold"/>
-                                        <p:tgtEl>
-                                          <p:spTgt spid="6"/>
-                                        </p:tgtEl>
-                                        <p:attrNameLst>
-                                          <p:attrName>ppt_x</p:attrName>
-                                        </p:attrNameLst>
-                                      </p:cBhvr>
-                                      <p:tavLst>
-                                        <p:tav tm="0">
-                                          <p:val>
-                                            <p:strVal val="#ppt_x"/>
-                                          </p:val>
-                                        </p:tav>
-                                        <p:tav tm="100000">
-                                          <p:val>
-                                            <p:strVal val="#ppt_x"/>
-                                          </p:val>
-                                        </p:tav>
-                                      </p:tavLst>
-                                    </p:anim>
-                                    <p:anim calcmode="lin" valueType="num">
-                                      <p:cBhvr>
-                                        <p:cTn id="19" dur="250" fill="hold"/>
-                                        <p:tgtEl>
-                                          <p:spTgt spid="6"/>
-                                        </p:tgtEl>
-                                        <p:attrNameLst>
-                                          <p:attrName>ppt_y</p:attrName>
-                                        </p:attrNameLst>
-                                      </p:cBhvr>
-                                      <p:tavLst>
-                                        <p:tav tm="0">
-                                          <p:val>
-                                            <p:strVal val="#ppt_y+.1"/>
-                                          </p:val>
-                                        </p:tav>
-                                        <p:tav tm="100000">
-                                          <p:val>
-                                            <p:strVal val="#ppt_y"/>
-                                          </p:val>
-                                        </p:tav>
-                                      </p:tavLst>
-                                    </p:anim>
-                                  </p:childTnLst>
-                                </p:cTn>
-                              </p:par>
-                            </p:childTnLst>
-                          </p:cTn>
-                        </p:par>
-                        <p:par>
-                          <p:cTn id="20" fill="hold">
-                            <p:stCondLst>
-                              <p:cond delay="750"/>
-                            </p:stCondLst>
-                            <p:childTnLst>
-                              <p:par>
-                                <p:cTn id="21" presetID="2" presetClass="entr" presetSubtype="8" fill="hold" grpId="0" nodeType="afterEffect">
-                                  <p:stCondLst>
-                                    <p:cond delay="0"/>
-                                  </p:stCondLst>
-                                  <p:childTnLst>
-                                    <p:set>
-                                      <p:cBhvr>
-                                        <p:cTn id="22" dur="1" fill="hold">
-                                          <p:stCondLst>
-                                            <p:cond delay="0"/>
-                                          </p:stCondLst>
-                                        </p:cTn>
-                                        <p:tgtEl>
-                                          <p:spTgt spid="3">
-                                            <p:txEl>
-                                              <p:pRg st="0" end="0"/>
-                                            </p:txEl>
-                                          </p:spTgt>
-                                        </p:tgtEl>
-                                        <p:attrNameLst>
-                                          <p:attrName>style.visibility</p:attrName>
-                                        </p:attrNameLst>
-                                      </p:cBhvr>
-                                      <p:to>
-                                        <p:strVal val="visible"/>
-                                      </p:to>
-                                    </p:set>
-                                    <p:anim calcmode="lin" valueType="num">
-                                      <p:cBhvr additive="base">
-                                        <p:cTn id="23" dur="250" fill="hold"/>
-                                        <p:tgtEl>
-                                          <p:spTgt spid="3">
-                                            <p:txEl>
-                                              <p:pRg st="0" end="0"/>
-                                            </p:txEl>
-                                          </p:spTgt>
-                                        </p:tgtEl>
-                                        <p:attrNameLst>
-                                          <p:attrName>ppt_x</p:attrName>
-                                        </p:attrNameLst>
-                                      </p:cBhvr>
-                                      <p:tavLst>
-                                        <p:tav tm="0">
-                                          <p:val>
-                                            <p:strVal val="0-#ppt_w/2"/>
-                                          </p:val>
-                                        </p:tav>
-                                        <p:tav tm="100000">
-                                          <p:val>
-                                            <p:strVal val="#ppt_x"/>
-                                          </p:val>
-                                        </p:tav>
-                                      </p:tavLst>
-                                    </p:anim>
-                                    <p:anim calcmode="lin" valueType="num">
-                                      <p:cBhvr additive="base">
-                                        <p:cTn id="24" dur="250" fill="hold"/>
-                                        <p:tgtEl>
-                                          <p:spTgt spid="3">
-                                            <p:txEl>
-                                              <p:pRg st="0" end="0"/>
-                                            </p:txEl>
-                                          </p:spTgt>
-                                        </p:tgtEl>
-                                        <p:attrNameLst>
-                                          <p:attrName>ppt_y</p:attrName>
-                                        </p:attrNameLst>
-                                      </p:cBhvr>
-                                      <p:tavLst>
-                                        <p:tav tm="0">
-                                          <p:val>
-                                            <p:strVal val="#ppt_y"/>
-                                          </p:val>
-                                        </p:tav>
-                                        <p:tav tm="100000">
-                                          <p:val>
-                                            <p:strVal val="#ppt_y"/>
-                                          </p:val>
-                                        </p:tav>
-                                      </p:tavLst>
-                                    </p:anim>
-                                  </p:childTnLst>
-                                </p:cTn>
-                              </p:par>
-                            </p:childTnLst>
-                          </p:cTn>
-                        </p:par>
-                      </p:childTnLst>
-                    </p:cTn>
-                  </p:par>
-                </p:childTnLst>
-              </p:cTn>
-              <p:prevCondLst>
-                <p:cond evt="onPrev" delay="0">
-                  <p:tgtEl>
-                    <p:sldTgt/>
-                  </p:tgtEl>
-                </p:cond>
-              </p:prevCondLst>
-              <p:nextCondLst>
-                <p:cond evt="onNext" delay="0">
-                  <p:tgtEl>
-                    <p:sldTgt/>
-                  </p:tgtEl>
-                </p:cond>
-              </p:nextCondLst>
-            </p:seq>
-          </p:childTnLst>
-        </p:cTn>
-      </p:par>
-    </p:tnLst>
-    <p:bldLst>
-      <p:bldP spid="5" grpId="0" animBg="1"/>
-      <p:bldP spid="2" grpId="0"/>
-      <p:bldP spid="3" grpId="0" uiExpand="1" build="p"/>
-      <p:bldP spid="6" grpId="0" animBg="1"/>
     </p:bldLst>
   </p:timing>
 </p:sld>
@@ -6668,18 +6513,11 @@
           <a:lstStyle/>
           <a:p>
             <a:r>
-              <a:rPr lang="ru-RU" b="1" dirty="0">
+              <a:rPr lang="ru-RU" b="1" dirty="0" err="1" smtClean="0">
                 <a:latin typeface="Segoe UI" panose="020B0502040204020203" pitchFamily="34" charset="0"/>
                 <a:cs typeface="Segoe UI" panose="020B0502040204020203" pitchFamily="34" charset="0"/>
               </a:rPr>
-              <a:t>Р</a:t>
-            </a:r>
-            <a:r>
-              <a:rPr lang="ru-RU" b="1" dirty="0" smtClean="0">
-                <a:latin typeface="Segoe UI" panose="020B0502040204020203" pitchFamily="34" charset="0"/>
-                <a:cs typeface="Segoe UI" panose="020B0502040204020203" pitchFamily="34" charset="0"/>
-              </a:rPr>
-              <a:t>егистрация клиентов</a:t>
+              <a:t>Таймлайн</a:t>
             </a:r>
             <a:r>
               <a:rPr lang="ru-RU" dirty="0"/>
@@ -6723,7 +6561,21 @@
                 <a:latin typeface="Segoe UI" panose="020B0502040204020203" pitchFamily="34" charset="0"/>
                 <a:cs typeface="Segoe UI" panose="020B0502040204020203" pitchFamily="34" charset="0"/>
               </a:rPr>
-              <a:t>На странице регистрации клиент парикмахерской сможет выбрать удобное для него дату, время, мастера и услугу и записаться на нее.</a:t>
+              <a:t>На вкладке </a:t>
+            </a:r>
+            <a:r>
+              <a:rPr lang="ru-RU" dirty="0" err="1" smtClean="0">
+                <a:latin typeface="Segoe UI" panose="020B0502040204020203" pitchFamily="34" charset="0"/>
+                <a:cs typeface="Segoe UI" panose="020B0502040204020203" pitchFamily="34" charset="0"/>
+              </a:rPr>
+              <a:t>таймлайн</a:t>
+            </a:r>
+            <a:r>
+              <a:rPr lang="ru-RU" dirty="0" smtClean="0">
+                <a:latin typeface="Segoe UI" panose="020B0502040204020203" pitchFamily="34" charset="0"/>
+                <a:cs typeface="Segoe UI" panose="020B0502040204020203" pitchFamily="34" charset="0"/>
+              </a:rPr>
+              <a:t> пользователь может в виде таблице просмотреть онлайн записи клиентов на нужную дату. По вертикале – время, по горизонтали – мастера.</a:t>
             </a:r>
             <a:endParaRPr lang="ru-RU" dirty="0">
               <a:latin typeface="Segoe UI" panose="020B0502040204020203" pitchFamily="34" charset="0"/>
@@ -6783,7 +6635,7 @@
     </p:spTree>
     <p:extLst>
       <p:ext uri="{BB962C8B-B14F-4D97-AF65-F5344CB8AC3E}">
-        <p14:creationId xmlns:p14="http://schemas.microsoft.com/office/powerpoint/2010/main" val="466130947"/>
+        <p14:creationId xmlns:p14="http://schemas.microsoft.com/office/powerpoint/2010/main" val="72069891"/>
       </p:ext>
     </p:extLst>
   </p:cSld>
@@ -7189,6 +7041,1534 @@
 </file>
 
 <file path=ppt/slides/slide7.xml><?xml version="1.0" encoding="utf-8"?>
+<p:sld xmlns:a="http://schemas.openxmlformats.org/drawingml/2006/main" xmlns:r="http://schemas.openxmlformats.org/officeDocument/2006/relationships" xmlns:p="http://schemas.openxmlformats.org/presentationml/2006/main">
+  <p:cSld>
+    <p:bg>
+      <p:bgPr>
+        <a:solidFill>
+          <a:srgbClr val="2B2B2B"/>
+        </a:solidFill>
+        <a:effectLst/>
+      </p:bgPr>
+    </p:bg>
+    <p:spTree>
+      <p:nvGrpSpPr>
+        <p:cNvPr id="1" name=""/>
+        <p:cNvGrpSpPr/>
+        <p:nvPr/>
+      </p:nvGrpSpPr>
+      <p:grpSpPr>
+        <a:xfrm>
+          <a:off x="0" y="0"/>
+          <a:ext cx="0" cy="0"/>
+          <a:chOff x="0" y="0"/>
+          <a:chExt cx="0" cy="0"/>
+        </a:xfrm>
+      </p:grpSpPr>
+      <p:sp>
+        <p:nvSpPr>
+          <p:cNvPr id="5" name="Прямоугольник 4"/>
+          <p:cNvSpPr/>
+          <p:nvPr/>
+        </p:nvSpPr>
+        <p:spPr>
+          <a:xfrm rot="2469619">
+            <a:off x="6108969" y="-2107876"/>
+            <a:ext cx="9212093" cy="5664572"/>
+          </a:xfrm>
+          <a:prstGeom prst="rect">
+            <a:avLst/>
+          </a:prstGeom>
+          <a:solidFill>
+            <a:srgbClr val="CC7832"/>
+          </a:solidFill>
+          <a:ln>
+            <a:solidFill>
+              <a:srgbClr val="CC7832"/>
+            </a:solidFill>
+          </a:ln>
+        </p:spPr>
+        <p:style>
+          <a:lnRef idx="2">
+            <a:schemeClr val="accent1">
+              <a:shade val="50000"/>
+            </a:schemeClr>
+          </a:lnRef>
+          <a:fillRef idx="1">
+            <a:schemeClr val="accent1"/>
+          </a:fillRef>
+          <a:effectRef idx="0">
+            <a:schemeClr val="accent1"/>
+          </a:effectRef>
+          <a:fontRef idx="minor">
+            <a:schemeClr val="lt1"/>
+          </a:fontRef>
+        </p:style>
+        <p:txBody>
+          <a:bodyPr rtlCol="0" anchor="ctr"/>
+          <a:lstStyle/>
+          <a:p>
+            <a:pPr algn="ctr"/>
+            <a:endParaRPr lang="ru-RU"/>
+          </a:p>
+        </p:txBody>
+      </p:sp>
+      <p:sp>
+        <p:nvSpPr>
+          <p:cNvPr id="2" name="Заголовок 1"/>
+          <p:cNvSpPr>
+            <a:spLocks noGrp="1"/>
+          </p:cNvSpPr>
+          <p:nvPr>
+            <p:ph type="title"/>
+          </p:nvPr>
+        </p:nvSpPr>
+        <p:spPr>
+          <a:xfrm>
+            <a:off x="439366" y="462401"/>
+            <a:ext cx="7109298" cy="1074567"/>
+          </a:xfrm>
+        </p:spPr>
+        <p:txBody>
+          <a:bodyPr>
+            <a:normAutofit fontScale="90000"/>
+          </a:bodyPr>
+          <a:lstStyle/>
+          <a:p>
+            <a:r>
+              <a:rPr lang="ru-RU" b="1" dirty="0">
+                <a:latin typeface="Segoe UI" panose="020B0502040204020203" pitchFamily="34" charset="0"/>
+                <a:cs typeface="Segoe UI" panose="020B0502040204020203" pitchFamily="34" charset="0"/>
+              </a:rPr>
+              <a:t>Р</a:t>
+            </a:r>
+            <a:r>
+              <a:rPr lang="ru-RU" b="1" dirty="0" smtClean="0">
+                <a:latin typeface="Segoe UI" panose="020B0502040204020203" pitchFamily="34" charset="0"/>
+                <a:cs typeface="Segoe UI" panose="020B0502040204020203" pitchFamily="34" charset="0"/>
+              </a:rPr>
+              <a:t>егистрация клиентов</a:t>
+            </a:r>
+            <a:r>
+              <a:rPr lang="ru-RU" dirty="0"/>
+              <a:t/>
+            </a:r>
+            <a:br>
+              <a:rPr lang="ru-RU" dirty="0"/>
+            </a:br>
+            <a:endParaRPr lang="ru-RU" dirty="0"/>
+          </a:p>
+        </p:txBody>
+      </p:sp>
+      <p:sp>
+        <p:nvSpPr>
+          <p:cNvPr id="3" name="Объект 2"/>
+          <p:cNvSpPr>
+            <a:spLocks noGrp="1"/>
+          </p:cNvSpPr>
+          <p:nvPr>
+            <p:ph idx="1"/>
+          </p:nvPr>
+        </p:nvSpPr>
+        <p:spPr>
+          <a:xfrm>
+            <a:off x="439366" y="1536970"/>
+            <a:ext cx="10515600" cy="4351338"/>
+          </a:xfrm>
+        </p:spPr>
+        <p:txBody>
+          <a:bodyPr/>
+          <a:lstStyle/>
+          <a:p>
+            <a:pPr marL="0" lvl="0" indent="0">
+              <a:lnSpc>
+                <a:spcPct val="150000"/>
+              </a:lnSpc>
+              <a:buNone/>
+            </a:pPr>
+            <a:r>
+              <a:rPr lang="ru-RU" dirty="0" smtClean="0">
+                <a:latin typeface="Segoe UI" panose="020B0502040204020203" pitchFamily="34" charset="0"/>
+                <a:cs typeface="Segoe UI" panose="020B0502040204020203" pitchFamily="34" charset="0"/>
+              </a:rPr>
+              <a:t>На странице регистрации клиент парикмахерской сможет выбрать удобное для него дату, время, мастера и услугу и записаться на нее.</a:t>
+            </a:r>
+            <a:endParaRPr lang="ru-RU" dirty="0">
+              <a:latin typeface="Segoe UI" panose="020B0502040204020203" pitchFamily="34" charset="0"/>
+              <a:cs typeface="Segoe UI" panose="020B0502040204020203" pitchFamily="34" charset="0"/>
+            </a:endParaRPr>
+          </a:p>
+        </p:txBody>
+      </p:sp>
+      <p:sp>
+        <p:nvSpPr>
+          <p:cNvPr id="6" name="Прямоугольник 5"/>
+          <p:cNvSpPr/>
+          <p:nvPr/>
+        </p:nvSpPr>
+        <p:spPr>
+          <a:xfrm rot="9420634">
+            <a:off x="2679382" y="4727032"/>
+            <a:ext cx="11352061" cy="5664572"/>
+          </a:xfrm>
+          <a:prstGeom prst="rect">
+            <a:avLst/>
+          </a:prstGeom>
+          <a:solidFill>
+            <a:srgbClr val="67804C"/>
+          </a:solidFill>
+          <a:ln>
+            <a:solidFill>
+              <a:srgbClr val="67804C"/>
+            </a:solidFill>
+          </a:ln>
+        </p:spPr>
+        <p:style>
+          <a:lnRef idx="2">
+            <a:schemeClr val="accent1">
+              <a:shade val="50000"/>
+            </a:schemeClr>
+          </a:lnRef>
+          <a:fillRef idx="1">
+            <a:schemeClr val="accent1"/>
+          </a:fillRef>
+          <a:effectRef idx="0">
+            <a:schemeClr val="accent1"/>
+          </a:effectRef>
+          <a:fontRef idx="minor">
+            <a:schemeClr val="lt1"/>
+          </a:fontRef>
+        </p:style>
+        <p:txBody>
+          <a:bodyPr rtlCol="0" anchor="ctr"/>
+          <a:lstStyle/>
+          <a:p>
+            <a:pPr algn="ctr"/>
+            <a:endParaRPr lang="ru-RU"/>
+          </a:p>
+        </p:txBody>
+      </p:sp>
+    </p:spTree>
+    <p:extLst>
+      <p:ext uri="{BB962C8B-B14F-4D97-AF65-F5344CB8AC3E}">
+        <p14:creationId xmlns:p14="http://schemas.microsoft.com/office/powerpoint/2010/main" val="466130947"/>
+      </p:ext>
+    </p:extLst>
+  </p:cSld>
+  <p:clrMapOvr>
+    <a:masterClrMapping/>
+  </p:clrMapOvr>
+  <p:timing>
+    <p:tnLst>
+      <p:par>
+        <p:cTn id="1" dur="indefinite" restart="never" nodeType="tmRoot">
+          <p:childTnLst>
+            <p:seq concurrent="1" nextAc="seek">
+              <p:cTn id="2" dur="indefinite" nodeType="mainSeq">
+                <p:childTnLst>
+                  <p:par>
+                    <p:cTn id="3" fill="hold">
+                      <p:stCondLst>
+                        <p:cond delay="indefinite"/>
+                        <p:cond evt="onBegin" delay="0">
+                          <p:tn val="2"/>
+                        </p:cond>
+                      </p:stCondLst>
+                      <p:childTnLst>
+                        <p:par>
+                          <p:cTn id="4" fill="hold">
+                            <p:stCondLst>
+                              <p:cond delay="0"/>
+                            </p:stCondLst>
+                            <p:childTnLst>
+                              <p:par>
+                                <p:cTn id="5" presetID="2" presetClass="entr" presetSubtype="8" fill="hold" grpId="0" nodeType="withEffect">
+                                  <p:stCondLst>
+                                    <p:cond delay="0"/>
+                                  </p:stCondLst>
+                                  <p:childTnLst>
+                                    <p:set>
+                                      <p:cBhvr>
+                                        <p:cTn id="6" dur="1" fill="hold">
+                                          <p:stCondLst>
+                                            <p:cond delay="0"/>
+                                          </p:stCondLst>
+                                        </p:cTn>
+                                        <p:tgtEl>
+                                          <p:spTgt spid="2"/>
+                                        </p:tgtEl>
+                                        <p:attrNameLst>
+                                          <p:attrName>style.visibility</p:attrName>
+                                        </p:attrNameLst>
+                                      </p:cBhvr>
+                                      <p:to>
+                                        <p:strVal val="visible"/>
+                                      </p:to>
+                                    </p:set>
+                                    <p:anim calcmode="lin" valueType="num">
+                                      <p:cBhvr additive="base">
+                                        <p:cTn id="7" dur="500" fill="hold"/>
+                                        <p:tgtEl>
+                                          <p:spTgt spid="2"/>
+                                        </p:tgtEl>
+                                        <p:attrNameLst>
+                                          <p:attrName>ppt_x</p:attrName>
+                                        </p:attrNameLst>
+                                      </p:cBhvr>
+                                      <p:tavLst>
+                                        <p:tav tm="0">
+                                          <p:val>
+                                            <p:strVal val="0-#ppt_w/2"/>
+                                          </p:val>
+                                        </p:tav>
+                                        <p:tav tm="100000">
+                                          <p:val>
+                                            <p:strVal val="#ppt_x"/>
+                                          </p:val>
+                                        </p:tav>
+                                      </p:tavLst>
+                                    </p:anim>
+                                    <p:anim calcmode="lin" valueType="num">
+                                      <p:cBhvr additive="base">
+                                        <p:cTn id="8" dur="500" fill="hold"/>
+                                        <p:tgtEl>
+                                          <p:spTgt spid="2"/>
+                                        </p:tgtEl>
+                                        <p:attrNameLst>
+                                          <p:attrName>ppt_y</p:attrName>
+                                        </p:attrNameLst>
+                                      </p:cBhvr>
+                                      <p:tavLst>
+                                        <p:tav tm="0">
+                                          <p:val>
+                                            <p:strVal val="#ppt_y"/>
+                                          </p:val>
+                                        </p:tav>
+                                        <p:tav tm="100000">
+                                          <p:val>
+                                            <p:strVal val="#ppt_y"/>
+                                          </p:val>
+                                        </p:tav>
+                                      </p:tavLst>
+                                    </p:anim>
+                                  </p:childTnLst>
+                                </p:cTn>
+                              </p:par>
+                              <p:par>
+                                <p:cTn id="9" presetID="42" presetClass="entr" presetSubtype="0" fill="hold" grpId="0" nodeType="withEffect">
+                                  <p:stCondLst>
+                                    <p:cond delay="0"/>
+                                  </p:stCondLst>
+                                  <p:childTnLst>
+                                    <p:set>
+                                      <p:cBhvr>
+                                        <p:cTn id="10" dur="1" fill="hold">
+                                          <p:stCondLst>
+                                            <p:cond delay="0"/>
+                                          </p:stCondLst>
+                                        </p:cTn>
+                                        <p:tgtEl>
+                                          <p:spTgt spid="5"/>
+                                        </p:tgtEl>
+                                        <p:attrNameLst>
+                                          <p:attrName>style.visibility</p:attrName>
+                                        </p:attrNameLst>
+                                      </p:cBhvr>
+                                      <p:to>
+                                        <p:strVal val="visible"/>
+                                      </p:to>
+                                    </p:set>
+                                    <p:animEffect transition="in" filter="fade">
+                                      <p:cBhvr>
+                                        <p:cTn id="11" dur="250"/>
+                                        <p:tgtEl>
+                                          <p:spTgt spid="5"/>
+                                        </p:tgtEl>
+                                      </p:cBhvr>
+                                    </p:animEffect>
+                                    <p:anim calcmode="lin" valueType="num">
+                                      <p:cBhvr>
+                                        <p:cTn id="12" dur="250" fill="hold"/>
+                                        <p:tgtEl>
+                                          <p:spTgt spid="5"/>
+                                        </p:tgtEl>
+                                        <p:attrNameLst>
+                                          <p:attrName>ppt_x</p:attrName>
+                                        </p:attrNameLst>
+                                      </p:cBhvr>
+                                      <p:tavLst>
+                                        <p:tav tm="0">
+                                          <p:val>
+                                            <p:strVal val="#ppt_x"/>
+                                          </p:val>
+                                        </p:tav>
+                                        <p:tav tm="100000">
+                                          <p:val>
+                                            <p:strVal val="#ppt_x"/>
+                                          </p:val>
+                                        </p:tav>
+                                      </p:tavLst>
+                                    </p:anim>
+                                    <p:anim calcmode="lin" valueType="num">
+                                      <p:cBhvr>
+                                        <p:cTn id="13" dur="250" fill="hold"/>
+                                        <p:tgtEl>
+                                          <p:spTgt spid="5"/>
+                                        </p:tgtEl>
+                                        <p:attrNameLst>
+                                          <p:attrName>ppt_y</p:attrName>
+                                        </p:attrNameLst>
+                                      </p:cBhvr>
+                                      <p:tavLst>
+                                        <p:tav tm="0">
+                                          <p:val>
+                                            <p:strVal val="#ppt_y+.1"/>
+                                          </p:val>
+                                        </p:tav>
+                                        <p:tav tm="100000">
+                                          <p:val>
+                                            <p:strVal val="#ppt_y"/>
+                                          </p:val>
+                                        </p:tav>
+                                      </p:tavLst>
+                                    </p:anim>
+                                  </p:childTnLst>
+                                </p:cTn>
+                              </p:par>
+                            </p:childTnLst>
+                          </p:cTn>
+                        </p:par>
+                        <p:par>
+                          <p:cTn id="14" fill="hold">
+                            <p:stCondLst>
+                              <p:cond delay="500"/>
+                            </p:stCondLst>
+                            <p:childTnLst>
+                              <p:par>
+                                <p:cTn id="15" presetID="42" presetClass="entr" presetSubtype="0" fill="hold" grpId="0" nodeType="afterEffect">
+                                  <p:stCondLst>
+                                    <p:cond delay="0"/>
+                                  </p:stCondLst>
+                                  <p:childTnLst>
+                                    <p:set>
+                                      <p:cBhvr>
+                                        <p:cTn id="16" dur="1" fill="hold">
+                                          <p:stCondLst>
+                                            <p:cond delay="0"/>
+                                          </p:stCondLst>
+                                        </p:cTn>
+                                        <p:tgtEl>
+                                          <p:spTgt spid="6"/>
+                                        </p:tgtEl>
+                                        <p:attrNameLst>
+                                          <p:attrName>style.visibility</p:attrName>
+                                        </p:attrNameLst>
+                                      </p:cBhvr>
+                                      <p:to>
+                                        <p:strVal val="visible"/>
+                                      </p:to>
+                                    </p:set>
+                                    <p:animEffect transition="in" filter="fade">
+                                      <p:cBhvr>
+                                        <p:cTn id="17" dur="250"/>
+                                        <p:tgtEl>
+                                          <p:spTgt spid="6"/>
+                                        </p:tgtEl>
+                                      </p:cBhvr>
+                                    </p:animEffect>
+                                    <p:anim calcmode="lin" valueType="num">
+                                      <p:cBhvr>
+                                        <p:cTn id="18" dur="250" fill="hold"/>
+                                        <p:tgtEl>
+                                          <p:spTgt spid="6"/>
+                                        </p:tgtEl>
+                                        <p:attrNameLst>
+                                          <p:attrName>ppt_x</p:attrName>
+                                        </p:attrNameLst>
+                                      </p:cBhvr>
+                                      <p:tavLst>
+                                        <p:tav tm="0">
+                                          <p:val>
+                                            <p:strVal val="#ppt_x"/>
+                                          </p:val>
+                                        </p:tav>
+                                        <p:tav tm="100000">
+                                          <p:val>
+                                            <p:strVal val="#ppt_x"/>
+                                          </p:val>
+                                        </p:tav>
+                                      </p:tavLst>
+                                    </p:anim>
+                                    <p:anim calcmode="lin" valueType="num">
+                                      <p:cBhvr>
+                                        <p:cTn id="19" dur="250" fill="hold"/>
+                                        <p:tgtEl>
+                                          <p:spTgt spid="6"/>
+                                        </p:tgtEl>
+                                        <p:attrNameLst>
+                                          <p:attrName>ppt_y</p:attrName>
+                                        </p:attrNameLst>
+                                      </p:cBhvr>
+                                      <p:tavLst>
+                                        <p:tav tm="0">
+                                          <p:val>
+                                            <p:strVal val="#ppt_y+.1"/>
+                                          </p:val>
+                                        </p:tav>
+                                        <p:tav tm="100000">
+                                          <p:val>
+                                            <p:strVal val="#ppt_y"/>
+                                          </p:val>
+                                        </p:tav>
+                                      </p:tavLst>
+                                    </p:anim>
+                                  </p:childTnLst>
+                                </p:cTn>
+                              </p:par>
+                            </p:childTnLst>
+                          </p:cTn>
+                        </p:par>
+                        <p:par>
+                          <p:cTn id="20" fill="hold">
+                            <p:stCondLst>
+                              <p:cond delay="750"/>
+                            </p:stCondLst>
+                            <p:childTnLst>
+                              <p:par>
+                                <p:cTn id="21" presetID="2" presetClass="entr" presetSubtype="8" fill="hold" grpId="0" nodeType="afterEffect">
+                                  <p:stCondLst>
+                                    <p:cond delay="0"/>
+                                  </p:stCondLst>
+                                  <p:childTnLst>
+                                    <p:set>
+                                      <p:cBhvr>
+                                        <p:cTn id="22" dur="1" fill="hold">
+                                          <p:stCondLst>
+                                            <p:cond delay="0"/>
+                                          </p:stCondLst>
+                                        </p:cTn>
+                                        <p:tgtEl>
+                                          <p:spTgt spid="3">
+                                            <p:txEl>
+                                              <p:pRg st="0" end="0"/>
+                                            </p:txEl>
+                                          </p:spTgt>
+                                        </p:tgtEl>
+                                        <p:attrNameLst>
+                                          <p:attrName>style.visibility</p:attrName>
+                                        </p:attrNameLst>
+                                      </p:cBhvr>
+                                      <p:to>
+                                        <p:strVal val="visible"/>
+                                      </p:to>
+                                    </p:set>
+                                    <p:anim calcmode="lin" valueType="num">
+                                      <p:cBhvr additive="base">
+                                        <p:cTn id="23" dur="250" fill="hold"/>
+                                        <p:tgtEl>
+                                          <p:spTgt spid="3">
+                                            <p:txEl>
+                                              <p:pRg st="0" end="0"/>
+                                            </p:txEl>
+                                          </p:spTgt>
+                                        </p:tgtEl>
+                                        <p:attrNameLst>
+                                          <p:attrName>ppt_x</p:attrName>
+                                        </p:attrNameLst>
+                                      </p:cBhvr>
+                                      <p:tavLst>
+                                        <p:tav tm="0">
+                                          <p:val>
+                                            <p:strVal val="0-#ppt_w/2"/>
+                                          </p:val>
+                                        </p:tav>
+                                        <p:tav tm="100000">
+                                          <p:val>
+                                            <p:strVal val="#ppt_x"/>
+                                          </p:val>
+                                        </p:tav>
+                                      </p:tavLst>
+                                    </p:anim>
+                                    <p:anim calcmode="lin" valueType="num">
+                                      <p:cBhvr additive="base">
+                                        <p:cTn id="24" dur="250" fill="hold"/>
+                                        <p:tgtEl>
+                                          <p:spTgt spid="3">
+                                            <p:txEl>
+                                              <p:pRg st="0" end="0"/>
+                                            </p:txEl>
+                                          </p:spTgt>
+                                        </p:tgtEl>
+                                        <p:attrNameLst>
+                                          <p:attrName>ppt_y</p:attrName>
+                                        </p:attrNameLst>
+                                      </p:cBhvr>
+                                      <p:tavLst>
+                                        <p:tav tm="0">
+                                          <p:val>
+                                            <p:strVal val="#ppt_y"/>
+                                          </p:val>
+                                        </p:tav>
+                                        <p:tav tm="100000">
+                                          <p:val>
+                                            <p:strVal val="#ppt_y"/>
+                                          </p:val>
+                                        </p:tav>
+                                      </p:tavLst>
+                                    </p:anim>
+                                  </p:childTnLst>
+                                </p:cTn>
+                              </p:par>
+                            </p:childTnLst>
+                          </p:cTn>
+                        </p:par>
+                      </p:childTnLst>
+                    </p:cTn>
+                  </p:par>
+                </p:childTnLst>
+              </p:cTn>
+              <p:prevCondLst>
+                <p:cond evt="onPrev" delay="0">
+                  <p:tgtEl>
+                    <p:sldTgt/>
+                  </p:tgtEl>
+                </p:cond>
+              </p:prevCondLst>
+              <p:nextCondLst>
+                <p:cond evt="onNext" delay="0">
+                  <p:tgtEl>
+                    <p:sldTgt/>
+                  </p:tgtEl>
+                </p:cond>
+              </p:nextCondLst>
+            </p:seq>
+          </p:childTnLst>
+        </p:cTn>
+      </p:par>
+    </p:tnLst>
+    <p:bldLst>
+      <p:bldP spid="5" grpId="0" animBg="1"/>
+      <p:bldP spid="2" grpId="0"/>
+      <p:bldP spid="3" grpId="0" uiExpand="1" build="p"/>
+      <p:bldP spid="6" grpId="0" animBg="1"/>
+    </p:bldLst>
+  </p:timing>
+</p:sld>
+</file>
+
+<file path=ppt/slides/slide8.xml><?xml version="1.0" encoding="utf-8"?>
+<p:sld xmlns:a="http://schemas.openxmlformats.org/drawingml/2006/main" xmlns:r="http://schemas.openxmlformats.org/officeDocument/2006/relationships" xmlns:p="http://schemas.openxmlformats.org/presentationml/2006/main">
+  <p:cSld>
+    <p:bg>
+      <p:bgPr>
+        <a:solidFill>
+          <a:srgbClr val="2B2B2B"/>
+        </a:solidFill>
+        <a:effectLst/>
+      </p:bgPr>
+    </p:bg>
+    <p:spTree>
+      <p:nvGrpSpPr>
+        <p:cNvPr id="1" name=""/>
+        <p:cNvGrpSpPr/>
+        <p:nvPr/>
+      </p:nvGrpSpPr>
+      <p:grpSpPr>
+        <a:xfrm>
+          <a:off x="0" y="0"/>
+          <a:ext cx="0" cy="0"/>
+          <a:chOff x="0" y="0"/>
+          <a:chExt cx="0" cy="0"/>
+        </a:xfrm>
+      </p:grpSpPr>
+      <p:sp>
+        <p:nvSpPr>
+          <p:cNvPr id="6" name="Прямоугольник 5"/>
+          <p:cNvSpPr/>
+          <p:nvPr/>
+        </p:nvSpPr>
+        <p:spPr>
+          <a:xfrm rot="9420634">
+            <a:off x="2679382" y="4727032"/>
+            <a:ext cx="11352061" cy="5664572"/>
+          </a:xfrm>
+          <a:prstGeom prst="rect">
+            <a:avLst/>
+          </a:prstGeom>
+          <a:solidFill>
+            <a:srgbClr val="67804C"/>
+          </a:solidFill>
+          <a:ln>
+            <a:solidFill>
+              <a:srgbClr val="67804C"/>
+            </a:solidFill>
+          </a:ln>
+        </p:spPr>
+        <p:style>
+          <a:lnRef idx="2">
+            <a:schemeClr val="accent1">
+              <a:shade val="50000"/>
+            </a:schemeClr>
+          </a:lnRef>
+          <a:fillRef idx="1">
+            <a:schemeClr val="accent1"/>
+          </a:fillRef>
+          <a:effectRef idx="0">
+            <a:schemeClr val="accent1"/>
+          </a:effectRef>
+          <a:fontRef idx="minor">
+            <a:schemeClr val="lt1"/>
+          </a:fontRef>
+        </p:style>
+        <p:txBody>
+          <a:bodyPr rtlCol="0" anchor="ctr"/>
+          <a:lstStyle/>
+          <a:p>
+            <a:pPr algn="ctr"/>
+            <a:endParaRPr lang="ru-RU"/>
+          </a:p>
+        </p:txBody>
+      </p:sp>
+      <p:sp>
+        <p:nvSpPr>
+          <p:cNvPr id="5" name="Прямоугольник 4"/>
+          <p:cNvSpPr/>
+          <p:nvPr/>
+        </p:nvSpPr>
+        <p:spPr>
+          <a:xfrm rot="2469619">
+            <a:off x="6108969" y="-2107876"/>
+            <a:ext cx="9212093" cy="5664572"/>
+          </a:xfrm>
+          <a:prstGeom prst="rect">
+            <a:avLst/>
+          </a:prstGeom>
+          <a:solidFill>
+            <a:srgbClr val="CC7832"/>
+          </a:solidFill>
+          <a:ln>
+            <a:solidFill>
+              <a:srgbClr val="CC7832"/>
+            </a:solidFill>
+          </a:ln>
+        </p:spPr>
+        <p:style>
+          <a:lnRef idx="2">
+            <a:schemeClr val="accent1">
+              <a:shade val="50000"/>
+            </a:schemeClr>
+          </a:lnRef>
+          <a:fillRef idx="1">
+            <a:schemeClr val="accent1"/>
+          </a:fillRef>
+          <a:effectRef idx="0">
+            <a:schemeClr val="accent1"/>
+          </a:effectRef>
+          <a:fontRef idx="minor">
+            <a:schemeClr val="lt1"/>
+          </a:fontRef>
+        </p:style>
+        <p:txBody>
+          <a:bodyPr rtlCol="0" anchor="ctr"/>
+          <a:lstStyle/>
+          <a:p>
+            <a:pPr algn="ctr"/>
+            <a:endParaRPr lang="ru-RU"/>
+          </a:p>
+        </p:txBody>
+      </p:sp>
+      <p:sp>
+        <p:nvSpPr>
+          <p:cNvPr id="2" name="Заголовок 1"/>
+          <p:cNvSpPr>
+            <a:spLocks noGrp="1"/>
+          </p:cNvSpPr>
+          <p:nvPr>
+            <p:ph type="title"/>
+          </p:nvPr>
+        </p:nvSpPr>
+        <p:spPr>
+          <a:xfrm>
+            <a:off x="439366" y="462401"/>
+            <a:ext cx="7109298" cy="1074567"/>
+          </a:xfrm>
+        </p:spPr>
+        <p:txBody>
+          <a:bodyPr>
+            <a:normAutofit fontScale="90000"/>
+          </a:bodyPr>
+          <a:lstStyle/>
+          <a:p>
+            <a:r>
+              <a:rPr lang="ru-RU" b="1" dirty="0" smtClean="0">
+                <a:latin typeface="Segoe UI" panose="020B0502040204020203" pitchFamily="34" charset="0"/>
+                <a:cs typeface="Segoe UI" panose="020B0502040204020203" pitchFamily="34" charset="0"/>
+              </a:rPr>
+              <a:t>Возможности развития:</a:t>
+            </a:r>
+            <a:r>
+              <a:rPr lang="ru-RU" dirty="0"/>
+              <a:t/>
+            </a:r>
+            <a:br>
+              <a:rPr lang="ru-RU" dirty="0"/>
+            </a:br>
+            <a:endParaRPr lang="ru-RU" dirty="0"/>
+          </a:p>
+        </p:txBody>
+      </p:sp>
+      <p:sp>
+        <p:nvSpPr>
+          <p:cNvPr id="3" name="Объект 2"/>
+          <p:cNvSpPr>
+            <a:spLocks noGrp="1"/>
+          </p:cNvSpPr>
+          <p:nvPr>
+            <p:ph idx="1"/>
+          </p:nvPr>
+        </p:nvSpPr>
+        <p:spPr>
+          <a:xfrm>
+            <a:off x="439366" y="1536970"/>
+            <a:ext cx="10515600" cy="4351338"/>
+          </a:xfrm>
+        </p:spPr>
+        <p:txBody>
+          <a:bodyPr>
+            <a:normAutofit/>
+          </a:bodyPr>
+          <a:lstStyle/>
+          <a:p>
+            <a:pPr lvl="0">
+              <a:lnSpc>
+                <a:spcPct val="150000"/>
+              </a:lnSpc>
+              <a:buFont typeface="Wingdings" panose="05000000000000000000" pitchFamily="2" charset="2"/>
+              <a:buChar char="§"/>
+            </a:pPr>
+            <a:r>
+              <a:rPr lang="ru-RU" dirty="0" smtClean="0">
+                <a:latin typeface="Segoe UI" panose="020B0502040204020203" pitchFamily="34" charset="0"/>
+                <a:cs typeface="Segoe UI" panose="020B0502040204020203" pitchFamily="34" charset="0"/>
+              </a:rPr>
+              <a:t>Улучшить внешний вид приложения</a:t>
+            </a:r>
+            <a:r>
+              <a:rPr lang="en-US" dirty="0" smtClean="0">
+                <a:latin typeface="Segoe UI" panose="020B0502040204020203" pitchFamily="34" charset="0"/>
+                <a:cs typeface="Segoe UI" panose="020B0502040204020203" pitchFamily="34" charset="0"/>
+              </a:rPr>
+              <a:t>;</a:t>
+            </a:r>
+            <a:endParaRPr lang="ru-RU" dirty="0" smtClean="0">
+              <a:latin typeface="Segoe UI" panose="020B0502040204020203" pitchFamily="34" charset="0"/>
+              <a:cs typeface="Segoe UI" panose="020B0502040204020203" pitchFamily="34" charset="0"/>
+            </a:endParaRPr>
+          </a:p>
+          <a:p>
+            <a:pPr lvl="0">
+              <a:lnSpc>
+                <a:spcPct val="150000"/>
+              </a:lnSpc>
+              <a:buFont typeface="Wingdings" panose="05000000000000000000" pitchFamily="2" charset="2"/>
+              <a:buChar char="§"/>
+            </a:pPr>
+            <a:endParaRPr lang="en-US" dirty="0" smtClean="0">
+              <a:latin typeface="Segoe UI" panose="020B0502040204020203" pitchFamily="34" charset="0"/>
+              <a:cs typeface="Segoe UI" panose="020B0502040204020203" pitchFamily="34" charset="0"/>
+            </a:endParaRPr>
+          </a:p>
+          <a:p>
+            <a:pPr lvl="0">
+              <a:lnSpc>
+                <a:spcPct val="150000"/>
+              </a:lnSpc>
+              <a:buFont typeface="Wingdings" panose="05000000000000000000" pitchFamily="2" charset="2"/>
+              <a:buChar char="§"/>
+            </a:pPr>
+            <a:r>
+              <a:rPr lang="ru-RU" dirty="0" smtClean="0">
+                <a:latin typeface="Segoe UI" panose="020B0502040204020203" pitchFamily="34" charset="0"/>
+                <a:cs typeface="Segoe UI" panose="020B0502040204020203" pitchFamily="34" charset="0"/>
+              </a:rPr>
+              <a:t>Усовершенствовать систему записи</a:t>
+            </a:r>
+            <a:r>
+              <a:rPr lang="en-US" dirty="0" smtClean="0">
+                <a:latin typeface="Segoe UI" panose="020B0502040204020203" pitchFamily="34" charset="0"/>
+                <a:cs typeface="Segoe UI" panose="020B0502040204020203" pitchFamily="34" charset="0"/>
+              </a:rPr>
+              <a:t>;</a:t>
+            </a:r>
+            <a:endParaRPr lang="ru-RU" dirty="0" smtClean="0">
+              <a:latin typeface="Segoe UI" panose="020B0502040204020203" pitchFamily="34" charset="0"/>
+              <a:cs typeface="Segoe UI" panose="020B0502040204020203" pitchFamily="34" charset="0"/>
+            </a:endParaRPr>
+          </a:p>
+          <a:p>
+            <a:pPr lvl="0">
+              <a:lnSpc>
+                <a:spcPct val="150000"/>
+              </a:lnSpc>
+              <a:buFont typeface="Wingdings" panose="05000000000000000000" pitchFamily="2" charset="2"/>
+              <a:buChar char="§"/>
+            </a:pPr>
+            <a:endParaRPr lang="en-US" dirty="0" smtClean="0">
+              <a:latin typeface="Segoe UI" panose="020B0502040204020203" pitchFamily="34" charset="0"/>
+              <a:cs typeface="Segoe UI" panose="020B0502040204020203" pitchFamily="34" charset="0"/>
+            </a:endParaRPr>
+          </a:p>
+          <a:p>
+            <a:pPr lvl="0">
+              <a:lnSpc>
+                <a:spcPct val="150000"/>
+              </a:lnSpc>
+              <a:buFont typeface="Wingdings" panose="05000000000000000000" pitchFamily="2" charset="2"/>
+              <a:buChar char="§"/>
+            </a:pPr>
+            <a:r>
+              <a:rPr lang="ru-RU" dirty="0" smtClean="0">
+                <a:latin typeface="Segoe UI" panose="020B0502040204020203" pitchFamily="34" charset="0"/>
+                <a:cs typeface="Segoe UI" panose="020B0502040204020203" pitchFamily="34" charset="0"/>
+              </a:rPr>
+              <a:t>Добавить систему учета </a:t>
+            </a:r>
+            <a:r>
+              <a:rPr lang="ru-RU" dirty="0" err="1" smtClean="0">
+                <a:latin typeface="Segoe UI" panose="020B0502040204020203" pitchFamily="34" charset="0"/>
+                <a:cs typeface="Segoe UI" panose="020B0502040204020203" pitchFamily="34" charset="0"/>
+              </a:rPr>
+              <a:t>расходников</a:t>
+            </a:r>
+            <a:r>
+              <a:rPr lang="ru-RU" dirty="0" smtClean="0">
+                <a:latin typeface="Segoe UI" panose="020B0502040204020203" pitchFamily="34" charset="0"/>
+                <a:cs typeface="Segoe UI" panose="020B0502040204020203" pitchFamily="34" charset="0"/>
+              </a:rPr>
+              <a:t> (кол-во краски и др.)</a:t>
+            </a:r>
+            <a:endParaRPr lang="ru-RU" dirty="0">
+              <a:latin typeface="Segoe UI" panose="020B0502040204020203" pitchFamily="34" charset="0"/>
+              <a:cs typeface="Segoe UI" panose="020B0502040204020203" pitchFamily="34" charset="0"/>
+            </a:endParaRPr>
+          </a:p>
+        </p:txBody>
+      </p:sp>
+    </p:spTree>
+    <p:extLst>
+      <p:ext uri="{BB962C8B-B14F-4D97-AF65-F5344CB8AC3E}">
+        <p14:creationId xmlns:p14="http://schemas.microsoft.com/office/powerpoint/2010/main" val="760784740"/>
+      </p:ext>
+    </p:extLst>
+  </p:cSld>
+  <p:clrMapOvr>
+    <a:masterClrMapping/>
+  </p:clrMapOvr>
+  <p:timing>
+    <p:tnLst>
+      <p:par>
+        <p:cTn id="1" dur="indefinite" restart="never" nodeType="tmRoot">
+          <p:childTnLst>
+            <p:seq concurrent="1" nextAc="seek">
+              <p:cTn id="2" dur="indefinite" nodeType="mainSeq">
+                <p:childTnLst>
+                  <p:par>
+                    <p:cTn id="3" fill="hold">
+                      <p:stCondLst>
+                        <p:cond delay="indefinite"/>
+                        <p:cond evt="onBegin" delay="0">
+                          <p:tn val="2"/>
+                        </p:cond>
+                      </p:stCondLst>
+                      <p:childTnLst>
+                        <p:par>
+                          <p:cTn id="4" fill="hold">
+                            <p:stCondLst>
+                              <p:cond delay="0"/>
+                            </p:stCondLst>
+                            <p:childTnLst>
+                              <p:par>
+                                <p:cTn id="5" presetID="2" presetClass="entr" presetSubtype="8" fill="hold" grpId="0" nodeType="withEffect">
+                                  <p:stCondLst>
+                                    <p:cond delay="0"/>
+                                  </p:stCondLst>
+                                  <p:childTnLst>
+                                    <p:set>
+                                      <p:cBhvr>
+                                        <p:cTn id="6" dur="1" fill="hold">
+                                          <p:stCondLst>
+                                            <p:cond delay="0"/>
+                                          </p:stCondLst>
+                                        </p:cTn>
+                                        <p:tgtEl>
+                                          <p:spTgt spid="2"/>
+                                        </p:tgtEl>
+                                        <p:attrNameLst>
+                                          <p:attrName>style.visibility</p:attrName>
+                                        </p:attrNameLst>
+                                      </p:cBhvr>
+                                      <p:to>
+                                        <p:strVal val="visible"/>
+                                      </p:to>
+                                    </p:set>
+                                    <p:anim calcmode="lin" valueType="num">
+                                      <p:cBhvr additive="base">
+                                        <p:cTn id="7" dur="500" fill="hold"/>
+                                        <p:tgtEl>
+                                          <p:spTgt spid="2"/>
+                                        </p:tgtEl>
+                                        <p:attrNameLst>
+                                          <p:attrName>ppt_x</p:attrName>
+                                        </p:attrNameLst>
+                                      </p:cBhvr>
+                                      <p:tavLst>
+                                        <p:tav tm="0">
+                                          <p:val>
+                                            <p:strVal val="0-#ppt_w/2"/>
+                                          </p:val>
+                                        </p:tav>
+                                        <p:tav tm="100000">
+                                          <p:val>
+                                            <p:strVal val="#ppt_x"/>
+                                          </p:val>
+                                        </p:tav>
+                                      </p:tavLst>
+                                    </p:anim>
+                                    <p:anim calcmode="lin" valueType="num">
+                                      <p:cBhvr additive="base">
+                                        <p:cTn id="8" dur="500" fill="hold"/>
+                                        <p:tgtEl>
+                                          <p:spTgt spid="2"/>
+                                        </p:tgtEl>
+                                        <p:attrNameLst>
+                                          <p:attrName>ppt_y</p:attrName>
+                                        </p:attrNameLst>
+                                      </p:cBhvr>
+                                      <p:tavLst>
+                                        <p:tav tm="0">
+                                          <p:val>
+                                            <p:strVal val="#ppt_y"/>
+                                          </p:val>
+                                        </p:tav>
+                                        <p:tav tm="100000">
+                                          <p:val>
+                                            <p:strVal val="#ppt_y"/>
+                                          </p:val>
+                                        </p:tav>
+                                      </p:tavLst>
+                                    </p:anim>
+                                  </p:childTnLst>
+                                </p:cTn>
+                              </p:par>
+                              <p:par>
+                                <p:cTn id="9" presetID="42" presetClass="entr" presetSubtype="0" fill="hold" grpId="0" nodeType="withEffect">
+                                  <p:stCondLst>
+                                    <p:cond delay="0"/>
+                                  </p:stCondLst>
+                                  <p:childTnLst>
+                                    <p:set>
+                                      <p:cBhvr>
+                                        <p:cTn id="10" dur="1" fill="hold">
+                                          <p:stCondLst>
+                                            <p:cond delay="0"/>
+                                          </p:stCondLst>
+                                        </p:cTn>
+                                        <p:tgtEl>
+                                          <p:spTgt spid="5"/>
+                                        </p:tgtEl>
+                                        <p:attrNameLst>
+                                          <p:attrName>style.visibility</p:attrName>
+                                        </p:attrNameLst>
+                                      </p:cBhvr>
+                                      <p:to>
+                                        <p:strVal val="visible"/>
+                                      </p:to>
+                                    </p:set>
+                                    <p:animEffect transition="in" filter="fade">
+                                      <p:cBhvr>
+                                        <p:cTn id="11" dur="250"/>
+                                        <p:tgtEl>
+                                          <p:spTgt spid="5"/>
+                                        </p:tgtEl>
+                                      </p:cBhvr>
+                                    </p:animEffect>
+                                    <p:anim calcmode="lin" valueType="num">
+                                      <p:cBhvr>
+                                        <p:cTn id="12" dur="250" fill="hold"/>
+                                        <p:tgtEl>
+                                          <p:spTgt spid="5"/>
+                                        </p:tgtEl>
+                                        <p:attrNameLst>
+                                          <p:attrName>ppt_x</p:attrName>
+                                        </p:attrNameLst>
+                                      </p:cBhvr>
+                                      <p:tavLst>
+                                        <p:tav tm="0">
+                                          <p:val>
+                                            <p:strVal val="#ppt_x"/>
+                                          </p:val>
+                                        </p:tav>
+                                        <p:tav tm="100000">
+                                          <p:val>
+                                            <p:strVal val="#ppt_x"/>
+                                          </p:val>
+                                        </p:tav>
+                                      </p:tavLst>
+                                    </p:anim>
+                                    <p:anim calcmode="lin" valueType="num">
+                                      <p:cBhvr>
+                                        <p:cTn id="13" dur="250" fill="hold"/>
+                                        <p:tgtEl>
+                                          <p:spTgt spid="5"/>
+                                        </p:tgtEl>
+                                        <p:attrNameLst>
+                                          <p:attrName>ppt_y</p:attrName>
+                                        </p:attrNameLst>
+                                      </p:cBhvr>
+                                      <p:tavLst>
+                                        <p:tav tm="0">
+                                          <p:val>
+                                            <p:strVal val="#ppt_y+.1"/>
+                                          </p:val>
+                                        </p:tav>
+                                        <p:tav tm="100000">
+                                          <p:val>
+                                            <p:strVal val="#ppt_y"/>
+                                          </p:val>
+                                        </p:tav>
+                                      </p:tavLst>
+                                    </p:anim>
+                                  </p:childTnLst>
+                                </p:cTn>
+                              </p:par>
+                            </p:childTnLst>
+                          </p:cTn>
+                        </p:par>
+                        <p:par>
+                          <p:cTn id="14" fill="hold">
+                            <p:stCondLst>
+                              <p:cond delay="500"/>
+                            </p:stCondLst>
+                            <p:childTnLst>
+                              <p:par>
+                                <p:cTn id="15" presetID="42" presetClass="entr" presetSubtype="0" fill="hold" grpId="0" nodeType="afterEffect">
+                                  <p:stCondLst>
+                                    <p:cond delay="0"/>
+                                  </p:stCondLst>
+                                  <p:childTnLst>
+                                    <p:set>
+                                      <p:cBhvr>
+                                        <p:cTn id="16" dur="1" fill="hold">
+                                          <p:stCondLst>
+                                            <p:cond delay="0"/>
+                                          </p:stCondLst>
+                                        </p:cTn>
+                                        <p:tgtEl>
+                                          <p:spTgt spid="6"/>
+                                        </p:tgtEl>
+                                        <p:attrNameLst>
+                                          <p:attrName>style.visibility</p:attrName>
+                                        </p:attrNameLst>
+                                      </p:cBhvr>
+                                      <p:to>
+                                        <p:strVal val="visible"/>
+                                      </p:to>
+                                    </p:set>
+                                    <p:animEffect transition="in" filter="fade">
+                                      <p:cBhvr>
+                                        <p:cTn id="17" dur="250"/>
+                                        <p:tgtEl>
+                                          <p:spTgt spid="6"/>
+                                        </p:tgtEl>
+                                      </p:cBhvr>
+                                    </p:animEffect>
+                                    <p:anim calcmode="lin" valueType="num">
+                                      <p:cBhvr>
+                                        <p:cTn id="18" dur="250" fill="hold"/>
+                                        <p:tgtEl>
+                                          <p:spTgt spid="6"/>
+                                        </p:tgtEl>
+                                        <p:attrNameLst>
+                                          <p:attrName>ppt_x</p:attrName>
+                                        </p:attrNameLst>
+                                      </p:cBhvr>
+                                      <p:tavLst>
+                                        <p:tav tm="0">
+                                          <p:val>
+                                            <p:strVal val="#ppt_x"/>
+                                          </p:val>
+                                        </p:tav>
+                                        <p:tav tm="100000">
+                                          <p:val>
+                                            <p:strVal val="#ppt_x"/>
+                                          </p:val>
+                                        </p:tav>
+                                      </p:tavLst>
+                                    </p:anim>
+                                    <p:anim calcmode="lin" valueType="num">
+                                      <p:cBhvr>
+                                        <p:cTn id="19" dur="250" fill="hold"/>
+                                        <p:tgtEl>
+                                          <p:spTgt spid="6"/>
+                                        </p:tgtEl>
+                                        <p:attrNameLst>
+                                          <p:attrName>ppt_y</p:attrName>
+                                        </p:attrNameLst>
+                                      </p:cBhvr>
+                                      <p:tavLst>
+                                        <p:tav tm="0">
+                                          <p:val>
+                                            <p:strVal val="#ppt_y+.1"/>
+                                          </p:val>
+                                        </p:tav>
+                                        <p:tav tm="100000">
+                                          <p:val>
+                                            <p:strVal val="#ppt_y"/>
+                                          </p:val>
+                                        </p:tav>
+                                      </p:tavLst>
+                                    </p:anim>
+                                  </p:childTnLst>
+                                </p:cTn>
+                              </p:par>
+                            </p:childTnLst>
+                          </p:cTn>
+                        </p:par>
+                        <p:par>
+                          <p:cTn id="20" fill="hold">
+                            <p:stCondLst>
+                              <p:cond delay="750"/>
+                            </p:stCondLst>
+                            <p:childTnLst>
+                              <p:par>
+                                <p:cTn id="21" presetID="2" presetClass="entr" presetSubtype="8" fill="hold" grpId="0" nodeType="afterEffect">
+                                  <p:stCondLst>
+                                    <p:cond delay="0"/>
+                                  </p:stCondLst>
+                                  <p:childTnLst>
+                                    <p:set>
+                                      <p:cBhvr>
+                                        <p:cTn id="22" dur="1" fill="hold">
+                                          <p:stCondLst>
+                                            <p:cond delay="0"/>
+                                          </p:stCondLst>
+                                        </p:cTn>
+                                        <p:tgtEl>
+                                          <p:spTgt spid="3">
+                                            <p:txEl>
+                                              <p:pRg st="0" end="0"/>
+                                            </p:txEl>
+                                          </p:spTgt>
+                                        </p:tgtEl>
+                                        <p:attrNameLst>
+                                          <p:attrName>style.visibility</p:attrName>
+                                        </p:attrNameLst>
+                                      </p:cBhvr>
+                                      <p:to>
+                                        <p:strVal val="visible"/>
+                                      </p:to>
+                                    </p:set>
+                                    <p:anim calcmode="lin" valueType="num">
+                                      <p:cBhvr additive="base">
+                                        <p:cTn id="23" dur="250" fill="hold"/>
+                                        <p:tgtEl>
+                                          <p:spTgt spid="3">
+                                            <p:txEl>
+                                              <p:pRg st="0" end="0"/>
+                                            </p:txEl>
+                                          </p:spTgt>
+                                        </p:tgtEl>
+                                        <p:attrNameLst>
+                                          <p:attrName>ppt_x</p:attrName>
+                                        </p:attrNameLst>
+                                      </p:cBhvr>
+                                      <p:tavLst>
+                                        <p:tav tm="0">
+                                          <p:val>
+                                            <p:strVal val="0-#ppt_w/2"/>
+                                          </p:val>
+                                        </p:tav>
+                                        <p:tav tm="100000">
+                                          <p:val>
+                                            <p:strVal val="#ppt_x"/>
+                                          </p:val>
+                                        </p:tav>
+                                      </p:tavLst>
+                                    </p:anim>
+                                    <p:anim calcmode="lin" valueType="num">
+                                      <p:cBhvr additive="base">
+                                        <p:cTn id="24" dur="250" fill="hold"/>
+                                        <p:tgtEl>
+                                          <p:spTgt spid="3">
+                                            <p:txEl>
+                                              <p:pRg st="0" end="0"/>
+                                            </p:txEl>
+                                          </p:spTgt>
+                                        </p:tgtEl>
+                                        <p:attrNameLst>
+                                          <p:attrName>ppt_y</p:attrName>
+                                        </p:attrNameLst>
+                                      </p:cBhvr>
+                                      <p:tavLst>
+                                        <p:tav tm="0">
+                                          <p:val>
+                                            <p:strVal val="#ppt_y"/>
+                                          </p:val>
+                                        </p:tav>
+                                        <p:tav tm="100000">
+                                          <p:val>
+                                            <p:strVal val="#ppt_y"/>
+                                          </p:val>
+                                        </p:tav>
+                                      </p:tavLst>
+                                    </p:anim>
+                                  </p:childTnLst>
+                                </p:cTn>
+                              </p:par>
+                            </p:childTnLst>
+                          </p:cTn>
+                        </p:par>
+                      </p:childTnLst>
+                    </p:cTn>
+                  </p:par>
+                  <p:par>
+                    <p:cTn id="25" fill="hold">
+                      <p:stCondLst>
+                        <p:cond delay="indefinite"/>
+                      </p:stCondLst>
+                      <p:childTnLst>
+                        <p:par>
+                          <p:cTn id="26" fill="hold">
+                            <p:stCondLst>
+                              <p:cond delay="0"/>
+                            </p:stCondLst>
+                            <p:childTnLst>
+                              <p:par>
+                                <p:cTn id="27" presetID="2" presetClass="entr" presetSubtype="8" fill="hold" grpId="0" nodeType="clickEffect">
+                                  <p:stCondLst>
+                                    <p:cond delay="0"/>
+                                  </p:stCondLst>
+                                  <p:childTnLst>
+                                    <p:set>
+                                      <p:cBhvr>
+                                        <p:cTn id="28" dur="1" fill="hold">
+                                          <p:stCondLst>
+                                            <p:cond delay="0"/>
+                                          </p:stCondLst>
+                                        </p:cTn>
+                                        <p:tgtEl>
+                                          <p:spTgt spid="3">
+                                            <p:txEl>
+                                              <p:pRg st="2" end="2"/>
+                                            </p:txEl>
+                                          </p:spTgt>
+                                        </p:tgtEl>
+                                        <p:attrNameLst>
+                                          <p:attrName>style.visibility</p:attrName>
+                                        </p:attrNameLst>
+                                      </p:cBhvr>
+                                      <p:to>
+                                        <p:strVal val="visible"/>
+                                      </p:to>
+                                    </p:set>
+                                    <p:anim calcmode="lin" valueType="num">
+                                      <p:cBhvr additive="base">
+                                        <p:cTn id="29" dur="250" fill="hold"/>
+                                        <p:tgtEl>
+                                          <p:spTgt spid="3">
+                                            <p:txEl>
+                                              <p:pRg st="2" end="2"/>
+                                            </p:txEl>
+                                          </p:spTgt>
+                                        </p:tgtEl>
+                                        <p:attrNameLst>
+                                          <p:attrName>ppt_x</p:attrName>
+                                        </p:attrNameLst>
+                                      </p:cBhvr>
+                                      <p:tavLst>
+                                        <p:tav tm="0">
+                                          <p:val>
+                                            <p:strVal val="0-#ppt_w/2"/>
+                                          </p:val>
+                                        </p:tav>
+                                        <p:tav tm="100000">
+                                          <p:val>
+                                            <p:strVal val="#ppt_x"/>
+                                          </p:val>
+                                        </p:tav>
+                                      </p:tavLst>
+                                    </p:anim>
+                                    <p:anim calcmode="lin" valueType="num">
+                                      <p:cBhvr additive="base">
+                                        <p:cTn id="30" dur="250" fill="hold"/>
+                                        <p:tgtEl>
+                                          <p:spTgt spid="3">
+                                            <p:txEl>
+                                              <p:pRg st="2" end="2"/>
+                                            </p:txEl>
+                                          </p:spTgt>
+                                        </p:tgtEl>
+                                        <p:attrNameLst>
+                                          <p:attrName>ppt_y</p:attrName>
+                                        </p:attrNameLst>
+                                      </p:cBhvr>
+                                      <p:tavLst>
+                                        <p:tav tm="0">
+                                          <p:val>
+                                            <p:strVal val="#ppt_y"/>
+                                          </p:val>
+                                        </p:tav>
+                                        <p:tav tm="100000">
+                                          <p:val>
+                                            <p:strVal val="#ppt_y"/>
+                                          </p:val>
+                                        </p:tav>
+                                      </p:tavLst>
+                                    </p:anim>
+                                  </p:childTnLst>
+                                </p:cTn>
+                              </p:par>
+                            </p:childTnLst>
+                          </p:cTn>
+                        </p:par>
+                      </p:childTnLst>
+                    </p:cTn>
+                  </p:par>
+                  <p:par>
+                    <p:cTn id="31" fill="hold">
+                      <p:stCondLst>
+                        <p:cond delay="indefinite"/>
+                      </p:stCondLst>
+                      <p:childTnLst>
+                        <p:par>
+                          <p:cTn id="32" fill="hold">
+                            <p:stCondLst>
+                              <p:cond delay="0"/>
+                            </p:stCondLst>
+                            <p:childTnLst>
+                              <p:par>
+                                <p:cTn id="33" presetID="2" presetClass="entr" presetSubtype="8" fill="hold" grpId="0" nodeType="clickEffect">
+                                  <p:stCondLst>
+                                    <p:cond delay="0"/>
+                                  </p:stCondLst>
+                                  <p:childTnLst>
+                                    <p:set>
+                                      <p:cBhvr>
+                                        <p:cTn id="34" dur="1" fill="hold">
+                                          <p:stCondLst>
+                                            <p:cond delay="0"/>
+                                          </p:stCondLst>
+                                        </p:cTn>
+                                        <p:tgtEl>
+                                          <p:spTgt spid="3">
+                                            <p:txEl>
+                                              <p:pRg st="4" end="4"/>
+                                            </p:txEl>
+                                          </p:spTgt>
+                                        </p:tgtEl>
+                                        <p:attrNameLst>
+                                          <p:attrName>style.visibility</p:attrName>
+                                        </p:attrNameLst>
+                                      </p:cBhvr>
+                                      <p:to>
+                                        <p:strVal val="visible"/>
+                                      </p:to>
+                                    </p:set>
+                                    <p:anim calcmode="lin" valueType="num">
+                                      <p:cBhvr additive="base">
+                                        <p:cTn id="35" dur="250" fill="hold"/>
+                                        <p:tgtEl>
+                                          <p:spTgt spid="3">
+                                            <p:txEl>
+                                              <p:pRg st="4" end="4"/>
+                                            </p:txEl>
+                                          </p:spTgt>
+                                        </p:tgtEl>
+                                        <p:attrNameLst>
+                                          <p:attrName>ppt_x</p:attrName>
+                                        </p:attrNameLst>
+                                      </p:cBhvr>
+                                      <p:tavLst>
+                                        <p:tav tm="0">
+                                          <p:val>
+                                            <p:strVal val="0-#ppt_w/2"/>
+                                          </p:val>
+                                        </p:tav>
+                                        <p:tav tm="100000">
+                                          <p:val>
+                                            <p:strVal val="#ppt_x"/>
+                                          </p:val>
+                                        </p:tav>
+                                      </p:tavLst>
+                                    </p:anim>
+                                    <p:anim calcmode="lin" valueType="num">
+                                      <p:cBhvr additive="base">
+                                        <p:cTn id="36" dur="250" fill="hold"/>
+                                        <p:tgtEl>
+                                          <p:spTgt spid="3">
+                                            <p:txEl>
+                                              <p:pRg st="4" end="4"/>
+                                            </p:txEl>
+                                          </p:spTgt>
+                                        </p:tgtEl>
+                                        <p:attrNameLst>
+                                          <p:attrName>ppt_y</p:attrName>
+                                        </p:attrNameLst>
+                                      </p:cBhvr>
+                                      <p:tavLst>
+                                        <p:tav tm="0">
+                                          <p:val>
+                                            <p:strVal val="#ppt_y"/>
+                                          </p:val>
+                                        </p:tav>
+                                        <p:tav tm="100000">
+                                          <p:val>
+                                            <p:strVal val="#ppt_y"/>
+                                          </p:val>
+                                        </p:tav>
+                                      </p:tavLst>
+                                    </p:anim>
+                                  </p:childTnLst>
+                                </p:cTn>
+                              </p:par>
+                            </p:childTnLst>
+                          </p:cTn>
+                        </p:par>
+                      </p:childTnLst>
+                    </p:cTn>
+                  </p:par>
+                </p:childTnLst>
+              </p:cTn>
+              <p:prevCondLst>
+                <p:cond evt="onPrev" delay="0">
+                  <p:tgtEl>
+                    <p:sldTgt/>
+                  </p:tgtEl>
+                </p:cond>
+              </p:prevCondLst>
+              <p:nextCondLst>
+                <p:cond evt="onNext" delay="0">
+                  <p:tgtEl>
+                    <p:sldTgt/>
+                  </p:tgtEl>
+                </p:cond>
+              </p:nextCondLst>
+            </p:seq>
+          </p:childTnLst>
+        </p:cTn>
+      </p:par>
+    </p:tnLst>
+    <p:bldLst>
+      <p:bldP spid="6" grpId="0" animBg="1"/>
+      <p:bldP spid="5" grpId="0" animBg="1"/>
+      <p:bldP spid="2" grpId="0"/>
+      <p:bldP spid="3" grpId="0" uiExpand="1" build="p"/>
+    </p:bldLst>
+  </p:timing>
+</p:sld>
+</file>
+
+<file path=ppt/slides/slide9.xml><?xml version="1.0" encoding="utf-8"?>
 <p:sld xmlns:a="http://schemas.openxmlformats.org/drawingml/2006/main" xmlns:r="http://schemas.openxmlformats.org/officeDocument/2006/relationships" xmlns:p="http://schemas.openxmlformats.org/presentationml/2006/main">
   <p:cSld>
     <p:bg>
